--- a/מצגת האקתון.pptx
+++ b/מצגת האקתון.pptx
@@ -10,13 +10,14 @@
     <p:sldId id="259" r:id="rId4"/>
     <p:sldId id="260" r:id="rId5"/>
     <p:sldId id="261" r:id="rId6"/>
-    <p:sldId id="262" r:id="rId7"/>
-    <p:sldId id="263" r:id="rId8"/>
-    <p:sldId id="264" r:id="rId9"/>
-    <p:sldId id="265" r:id="rId10"/>
-    <p:sldId id="266" r:id="rId11"/>
-    <p:sldId id="267" r:id="rId12"/>
-    <p:sldId id="268" r:id="rId13"/>
+    <p:sldId id="269" r:id="rId7"/>
+    <p:sldId id="262" r:id="rId8"/>
+    <p:sldId id="263" r:id="rId9"/>
+    <p:sldId id="264" r:id="rId10"/>
+    <p:sldId id="265" r:id="rId11"/>
+    <p:sldId id="266" r:id="rId12"/>
+    <p:sldId id="267" r:id="rId13"/>
+    <p:sldId id="268" r:id="rId14"/>
   </p:sldIdLst>
   <p:sldSz cx="12192000" cy="6858000"/>
   <p:notesSz cx="6858000" cy="9144000"/>
@@ -6034,6 +6035,114 @@
           <p:cNvPr id="3" name="Picture 2">
             <a:extLst>
               <a:ext uri="{FF2B5EF4-FFF2-40B4-BE49-F238E27FC236}">
+                <a16:creationId xmlns:a16="http://schemas.microsoft.com/office/drawing/2014/main" id="{87E5BF8B-D5E0-4F49-BF1E-BB8A9B975330}"/>
+              </a:ext>
+            </a:extLst>
+          </p:cNvPr>
+          <p:cNvPicPr>
+            <a:picLocks noChangeAspect="1"/>
+          </p:cNvPicPr>
+          <p:nvPr/>
+        </p:nvPicPr>
+        <p:blipFill>
+          <a:blip r:embed="rId2">
+            <a:extLst>
+              <a:ext uri="{28A0092B-C50C-407E-A947-70E740481C1C}">
+                <a14:useLocalDpi xmlns:a14="http://schemas.microsoft.com/office/drawing/2010/main" val="0"/>
+              </a:ext>
+            </a:extLst>
+          </a:blip>
+          <a:stretch>
+            <a:fillRect/>
+          </a:stretch>
+        </p:blipFill>
+        <p:spPr>
+          <a:xfrm>
+            <a:off x="844355" y="1888588"/>
+            <a:ext cx="8472266" cy="3080824"/>
+          </a:xfrm>
+          <a:prstGeom prst="rect">
+            <a:avLst/>
+          </a:prstGeom>
+        </p:spPr>
+      </p:pic>
+      <p:sp>
+        <p:nvSpPr>
+          <p:cNvPr id="4" name="TextBox 3">
+            <a:extLst>
+              <a:ext uri="{FF2B5EF4-FFF2-40B4-BE49-F238E27FC236}">
+                <a16:creationId xmlns:a16="http://schemas.microsoft.com/office/drawing/2014/main" id="{F1474BC2-629E-41BC-B0A2-3115ABB7A2CA}"/>
+              </a:ext>
+            </a:extLst>
+          </p:cNvPr>
+          <p:cNvSpPr txBox="1"/>
+          <p:nvPr/>
+        </p:nvSpPr>
+        <p:spPr>
+          <a:xfrm>
+            <a:off x="4426227" y="728869"/>
+            <a:ext cx="3233530" cy="461665"/>
+          </a:xfrm>
+          <a:prstGeom prst="rect">
+            <a:avLst/>
+          </a:prstGeom>
+          <a:noFill/>
+        </p:spPr>
+        <p:txBody>
+          <a:bodyPr wrap="square" rtlCol="0">
+            <a:spAutoFit/>
+          </a:bodyPr>
+          <a:lstStyle/>
+          <a:p>
+            <a:r>
+              <a:rPr lang="en-US" sz="2400" dirty="0">
+                <a:latin typeface="Arial Rounded MT Bold" panose="020F0704030504030204" pitchFamily="34" charset="0"/>
+                <a:cs typeface="Times New Roman" panose="02020603050405020304" pitchFamily="18" charset="0"/>
+              </a:rPr>
+              <a:t>ERD</a:t>
+            </a:r>
+            <a:endParaRPr lang="en-IL" sz="2400" dirty="0">
+              <a:latin typeface="Arial Rounded MT Bold" panose="020F0704030504030204" pitchFamily="34" charset="0"/>
+              <a:cs typeface="Times New Roman" panose="02020603050405020304" pitchFamily="18" charset="0"/>
+            </a:endParaRPr>
+          </a:p>
+        </p:txBody>
+      </p:sp>
+    </p:spTree>
+    <p:extLst>
+      <p:ext uri="{BB962C8B-B14F-4D97-AF65-F5344CB8AC3E}">
+        <p14:creationId xmlns:p14="http://schemas.microsoft.com/office/powerpoint/2010/main" val="1373026776"/>
+      </p:ext>
+    </p:extLst>
+  </p:cSld>
+  <p:clrMapOvr>
+    <a:masterClrMapping/>
+  </p:clrMapOvr>
+</p:sld>
+</file>
+
+<file path=ppt/slides/slide11.xml><?xml version="1.0" encoding="utf-8"?>
+<p:sld xmlns:a="http://schemas.openxmlformats.org/drawingml/2006/main" xmlns:r="http://schemas.openxmlformats.org/officeDocument/2006/relationships" xmlns:p="http://schemas.openxmlformats.org/presentationml/2006/main">
+  <p:cSld>
+    <p:spTree>
+      <p:nvGrpSpPr>
+        <p:cNvPr id="1" name=""/>
+        <p:cNvGrpSpPr/>
+        <p:nvPr/>
+      </p:nvGrpSpPr>
+      <p:grpSpPr>
+        <a:xfrm>
+          <a:off x="0" y="0"/>
+          <a:ext cx="0" cy="0"/>
+          <a:chOff x="0" y="0"/>
+          <a:chExt cx="0" cy="0"/>
+        </a:xfrm>
+      </p:grpSpPr>
+      <p:pic>
+        <p:nvPicPr>
+          <p:cNvPr id="3" name="Picture 2">
+            <a:extLst>
+              <a:ext uri="{FF2B5EF4-FFF2-40B4-BE49-F238E27FC236}">
                 <a16:creationId xmlns:a16="http://schemas.microsoft.com/office/drawing/2014/main" id="{F52F93A8-49BE-4B71-8817-790A47CC1CBE}"/>
               </a:ext>
             </a:extLst>
@@ -6077,7 +6186,7 @@
 </p:sld>
 </file>
 
-<file path=ppt/slides/slide11.xml><?xml version="1.0" encoding="utf-8"?>
+<file path=ppt/slides/slide12.xml><?xml version="1.0" encoding="utf-8"?>
 <p:sld xmlns:a="http://schemas.openxmlformats.org/drawingml/2006/main" xmlns:r="http://schemas.openxmlformats.org/officeDocument/2006/relationships" xmlns:p="http://schemas.openxmlformats.org/presentationml/2006/main">
   <p:cSld>
     <p:spTree>
@@ -6143,7 +6252,7 @@
 </p:sld>
 </file>
 
-<file path=ppt/slides/slide12.xml><?xml version="1.0" encoding="utf-8"?>
+<file path=ppt/slides/slide13.xml><?xml version="1.0" encoding="utf-8"?>
 <p:sld xmlns:a="http://schemas.openxmlformats.org/drawingml/2006/main" xmlns:r="http://schemas.openxmlformats.org/officeDocument/2006/relationships" xmlns:p="http://schemas.openxmlformats.org/presentationml/2006/main">
   <p:cSld>
     <p:spTree>
@@ -6734,6 +6843,116 @@
           <a:chExt cx="0" cy="0"/>
         </a:xfrm>
       </p:grpSpPr>
+      <p:sp>
+        <p:nvSpPr>
+          <p:cNvPr id="2" name="Title 1">
+            <a:extLst>
+              <a:ext uri="{FF2B5EF4-FFF2-40B4-BE49-F238E27FC236}">
+                <a16:creationId xmlns:a16="http://schemas.microsoft.com/office/drawing/2014/main" id="{2389F58E-4CF2-4252-8EA2-2ED8154036E8}"/>
+              </a:ext>
+            </a:extLst>
+          </p:cNvPr>
+          <p:cNvSpPr>
+            <a:spLocks noGrp="1"/>
+          </p:cNvSpPr>
+          <p:nvPr>
+            <p:ph type="title"/>
+          </p:nvPr>
+        </p:nvSpPr>
+        <p:spPr/>
+        <p:txBody>
+          <a:bodyPr/>
+          <a:lstStyle/>
+          <a:p>
+            <a:pPr algn="r"/>
+            <a:r>
+              <a:rPr lang="he-IL" dirty="0"/>
+              <a:t>דרישות</a:t>
+            </a:r>
+            <a:endParaRPr lang="en-IL" dirty="0"/>
+          </a:p>
+        </p:txBody>
+      </p:sp>
+      <p:sp>
+        <p:nvSpPr>
+          <p:cNvPr id="3" name="Content Placeholder 2">
+            <a:extLst>
+              <a:ext uri="{FF2B5EF4-FFF2-40B4-BE49-F238E27FC236}">
+                <a16:creationId xmlns:a16="http://schemas.microsoft.com/office/drawing/2014/main" id="{49C5B306-9D32-47E4-8795-0152D149AF12}"/>
+              </a:ext>
+            </a:extLst>
+          </p:cNvPr>
+          <p:cNvSpPr>
+            <a:spLocks noGrp="1"/>
+          </p:cNvSpPr>
+          <p:nvPr>
+            <p:ph idx="1"/>
+          </p:nvPr>
+        </p:nvSpPr>
+        <p:spPr>
+          <a:xfrm>
+            <a:off x="1326690" y="2173841"/>
+            <a:ext cx="8596668" cy="3880773"/>
+          </a:xfrm>
+        </p:spPr>
+        <p:txBody>
+          <a:bodyPr/>
+          <a:lstStyle/>
+          <a:p>
+            <a:pPr marL="0" indent="0" algn="r" rtl="1">
+              <a:buNone/>
+            </a:pPr>
+            <a:r>
+              <a:rPr lang="he-IL"/>
+              <a:t>דרישות הפרויקט:</a:t>
+            </a:r>
+          </a:p>
+          <a:p>
+            <a:pPr algn="r" rtl="1">
+              <a:buFont typeface="Wingdings" panose="05000000000000000000" pitchFamily="2" charset="2"/>
+              <a:buChar char="v"/>
+            </a:pPr>
+            <a:endParaRPr lang="he-IL" dirty="0"/>
+          </a:p>
+          <a:p>
+            <a:pPr algn="r" rtl="1">
+              <a:buFont typeface="Wingdings" panose="05000000000000000000" pitchFamily="2" charset="2"/>
+              <a:buChar char="v"/>
+            </a:pPr>
+            <a:endParaRPr lang="en-IL" dirty="0"/>
+          </a:p>
+        </p:txBody>
+      </p:sp>
+    </p:spTree>
+    <p:extLst>
+      <p:ext uri="{BB962C8B-B14F-4D97-AF65-F5344CB8AC3E}">
+        <p14:creationId xmlns:p14="http://schemas.microsoft.com/office/powerpoint/2010/main" val="4274897666"/>
+      </p:ext>
+    </p:extLst>
+  </p:cSld>
+  <p:clrMapOvr>
+    <a:masterClrMapping/>
+  </p:clrMapOvr>
+</p:sld>
+</file>
+
+<file path=ppt/slides/slide7.xml><?xml version="1.0" encoding="utf-8"?>
+<p:sld xmlns:a="http://schemas.openxmlformats.org/drawingml/2006/main" xmlns:r="http://schemas.openxmlformats.org/officeDocument/2006/relationships" xmlns:p="http://schemas.openxmlformats.org/presentationml/2006/main">
+  <p:cSld>
+    <p:spTree>
+      <p:nvGrpSpPr>
+        <p:cNvPr id="1" name=""/>
+        <p:cNvGrpSpPr/>
+        <p:nvPr/>
+      </p:nvGrpSpPr>
+      <p:grpSpPr>
+        <a:xfrm>
+          <a:off x="0" y="0"/>
+          <a:ext cx="0" cy="0"/>
+          <a:chOff x="0" y="0"/>
+          <a:chExt cx="0" cy="0"/>
+        </a:xfrm>
+      </p:grpSpPr>
       <p:pic>
         <p:nvPicPr>
           <p:cNvPr id="5" name="Picture 4">
@@ -6782,7 +7001,7 @@
 </p:sld>
 </file>
 
-<file path=ppt/slides/slide7.xml><?xml version="1.0" encoding="utf-8"?>
+<file path=ppt/slides/slide8.xml><?xml version="1.0" encoding="utf-8"?>
 <p:sld xmlns:a="http://schemas.openxmlformats.org/drawingml/2006/main" xmlns:r="http://schemas.openxmlformats.org/officeDocument/2006/relationships" xmlns:p="http://schemas.openxmlformats.org/presentationml/2006/main">
   <p:cSld>
     <p:spTree>
@@ -6848,7 +7067,7 @@
 </p:sld>
 </file>
 
-<file path=ppt/slides/slide8.xml><?xml version="1.0" encoding="utf-8"?>
+<file path=ppt/slides/slide9.xml><?xml version="1.0" encoding="utf-8"?>
 <p:sld xmlns:a="http://schemas.openxmlformats.org/drawingml/2006/main" xmlns:r="http://schemas.openxmlformats.org/officeDocument/2006/relationships" xmlns:p="http://schemas.openxmlformats.org/presentationml/2006/main">
   <p:cSld>
     <p:spTree>
@@ -6905,114 +7124,6 @@
     <p:extLst>
       <p:ext uri="{BB962C8B-B14F-4D97-AF65-F5344CB8AC3E}">
         <p14:creationId xmlns:p14="http://schemas.microsoft.com/office/powerpoint/2010/main" val="2881003867"/>
-      </p:ext>
-    </p:extLst>
-  </p:cSld>
-  <p:clrMapOvr>
-    <a:masterClrMapping/>
-  </p:clrMapOvr>
-</p:sld>
-</file>
-
-<file path=ppt/slides/slide9.xml><?xml version="1.0" encoding="utf-8"?>
-<p:sld xmlns:a="http://schemas.openxmlformats.org/drawingml/2006/main" xmlns:r="http://schemas.openxmlformats.org/officeDocument/2006/relationships" xmlns:p="http://schemas.openxmlformats.org/presentationml/2006/main">
-  <p:cSld>
-    <p:spTree>
-      <p:nvGrpSpPr>
-        <p:cNvPr id="1" name=""/>
-        <p:cNvGrpSpPr/>
-        <p:nvPr/>
-      </p:nvGrpSpPr>
-      <p:grpSpPr>
-        <a:xfrm>
-          <a:off x="0" y="0"/>
-          <a:ext cx="0" cy="0"/>
-          <a:chOff x="0" y="0"/>
-          <a:chExt cx="0" cy="0"/>
-        </a:xfrm>
-      </p:grpSpPr>
-      <p:pic>
-        <p:nvPicPr>
-          <p:cNvPr id="3" name="Picture 2">
-            <a:extLst>
-              <a:ext uri="{FF2B5EF4-FFF2-40B4-BE49-F238E27FC236}">
-                <a16:creationId xmlns:a16="http://schemas.microsoft.com/office/drawing/2014/main" id="{87E5BF8B-D5E0-4F49-BF1E-BB8A9B975330}"/>
-              </a:ext>
-            </a:extLst>
-          </p:cNvPr>
-          <p:cNvPicPr>
-            <a:picLocks noChangeAspect="1"/>
-          </p:cNvPicPr>
-          <p:nvPr/>
-        </p:nvPicPr>
-        <p:blipFill>
-          <a:blip r:embed="rId2">
-            <a:extLst>
-              <a:ext uri="{28A0092B-C50C-407E-A947-70E740481C1C}">
-                <a14:useLocalDpi xmlns:a14="http://schemas.microsoft.com/office/drawing/2010/main" val="0"/>
-              </a:ext>
-            </a:extLst>
-          </a:blip>
-          <a:stretch>
-            <a:fillRect/>
-          </a:stretch>
-        </p:blipFill>
-        <p:spPr>
-          <a:xfrm>
-            <a:off x="844355" y="1888588"/>
-            <a:ext cx="8472266" cy="3080824"/>
-          </a:xfrm>
-          <a:prstGeom prst="rect">
-            <a:avLst/>
-          </a:prstGeom>
-        </p:spPr>
-      </p:pic>
-      <p:sp>
-        <p:nvSpPr>
-          <p:cNvPr id="4" name="TextBox 3">
-            <a:extLst>
-              <a:ext uri="{FF2B5EF4-FFF2-40B4-BE49-F238E27FC236}">
-                <a16:creationId xmlns:a16="http://schemas.microsoft.com/office/drawing/2014/main" id="{F1474BC2-629E-41BC-B0A2-3115ABB7A2CA}"/>
-              </a:ext>
-            </a:extLst>
-          </p:cNvPr>
-          <p:cNvSpPr txBox="1"/>
-          <p:nvPr/>
-        </p:nvSpPr>
-        <p:spPr>
-          <a:xfrm>
-            <a:off x="4426227" y="728869"/>
-            <a:ext cx="3233530" cy="461665"/>
-          </a:xfrm>
-          <a:prstGeom prst="rect">
-            <a:avLst/>
-          </a:prstGeom>
-          <a:noFill/>
-        </p:spPr>
-        <p:txBody>
-          <a:bodyPr wrap="square" rtlCol="0">
-            <a:spAutoFit/>
-          </a:bodyPr>
-          <a:lstStyle/>
-          <a:p>
-            <a:r>
-              <a:rPr lang="en-US" sz="2400" dirty="0">
-                <a:latin typeface="Arial Rounded MT Bold" panose="020F0704030504030204" pitchFamily="34" charset="0"/>
-                <a:cs typeface="Times New Roman" panose="02020603050405020304" pitchFamily="18" charset="0"/>
-              </a:rPr>
-              <a:t>ERD</a:t>
-            </a:r>
-            <a:endParaRPr lang="en-IL" sz="2400" dirty="0">
-              <a:latin typeface="Arial Rounded MT Bold" panose="020F0704030504030204" pitchFamily="34" charset="0"/>
-              <a:cs typeface="Times New Roman" panose="02020603050405020304" pitchFamily="18" charset="0"/>
-            </a:endParaRPr>
-          </a:p>
-        </p:txBody>
-      </p:sp>
-    </p:spTree>
-    <p:extLst>
-      <p:ext uri="{BB962C8B-B14F-4D97-AF65-F5344CB8AC3E}">
-        <p14:creationId xmlns:p14="http://schemas.microsoft.com/office/powerpoint/2010/main" val="1373026776"/>
       </p:ext>
     </p:extLst>
   </p:cSld>

--- a/מצגת האקתון.pptx
+++ b/מצגת האקתון.pptx
@@ -11,13 +11,19 @@
     <p:sldId id="260" r:id="rId5"/>
     <p:sldId id="261" r:id="rId6"/>
     <p:sldId id="269" r:id="rId7"/>
-    <p:sldId id="262" r:id="rId8"/>
-    <p:sldId id="263" r:id="rId9"/>
-    <p:sldId id="264" r:id="rId10"/>
-    <p:sldId id="265" r:id="rId11"/>
-    <p:sldId id="266" r:id="rId12"/>
-    <p:sldId id="267" r:id="rId13"/>
-    <p:sldId id="268" r:id="rId14"/>
+    <p:sldId id="270" r:id="rId8"/>
+    <p:sldId id="262" r:id="rId9"/>
+    <p:sldId id="263" r:id="rId10"/>
+    <p:sldId id="264" r:id="rId11"/>
+    <p:sldId id="265" r:id="rId12"/>
+    <p:sldId id="266" r:id="rId13"/>
+    <p:sldId id="267" r:id="rId14"/>
+    <p:sldId id="268" r:id="rId15"/>
+    <p:sldId id="271" r:id="rId16"/>
+    <p:sldId id="272" r:id="rId17"/>
+    <p:sldId id="273" r:id="rId18"/>
+    <p:sldId id="274" r:id="rId19"/>
+    <p:sldId id="275" r:id="rId20"/>
   </p:sldIdLst>
   <p:sldSz cx="12192000" cy="6858000"/>
   <p:notesSz cx="6858000" cy="9144000"/>
@@ -6035,6 +6041,72 @@
           <p:cNvPr id="3" name="Picture 2">
             <a:extLst>
               <a:ext uri="{FF2B5EF4-FFF2-40B4-BE49-F238E27FC236}">
+                <a16:creationId xmlns:a16="http://schemas.microsoft.com/office/drawing/2014/main" id="{FB34B54B-4E97-44F0-AA2F-7E3857B8086D}"/>
+              </a:ext>
+            </a:extLst>
+          </p:cNvPr>
+          <p:cNvPicPr>
+            <a:picLocks noChangeAspect="1"/>
+          </p:cNvPicPr>
+          <p:nvPr/>
+        </p:nvPicPr>
+        <p:blipFill>
+          <a:blip r:embed="rId2">
+            <a:extLst>
+              <a:ext uri="{28A0092B-C50C-407E-A947-70E740481C1C}">
+                <a14:useLocalDpi xmlns:a14="http://schemas.microsoft.com/office/drawing/2010/main" val="0"/>
+              </a:ext>
+            </a:extLst>
+          </a:blip>
+          <a:stretch>
+            <a:fillRect/>
+          </a:stretch>
+        </p:blipFill>
+        <p:spPr>
+          <a:xfrm>
+            <a:off x="1581873" y="642548"/>
+            <a:ext cx="6439799" cy="5572903"/>
+          </a:xfrm>
+          <a:prstGeom prst="rect">
+            <a:avLst/>
+          </a:prstGeom>
+        </p:spPr>
+      </p:pic>
+    </p:spTree>
+    <p:extLst>
+      <p:ext uri="{BB962C8B-B14F-4D97-AF65-F5344CB8AC3E}">
+        <p14:creationId xmlns:p14="http://schemas.microsoft.com/office/powerpoint/2010/main" val="2881003867"/>
+      </p:ext>
+    </p:extLst>
+  </p:cSld>
+  <p:clrMapOvr>
+    <a:masterClrMapping/>
+  </p:clrMapOvr>
+</p:sld>
+</file>
+
+<file path=ppt/slides/slide11.xml><?xml version="1.0" encoding="utf-8"?>
+<p:sld xmlns:a="http://schemas.openxmlformats.org/drawingml/2006/main" xmlns:r="http://schemas.openxmlformats.org/officeDocument/2006/relationships" xmlns:p="http://schemas.openxmlformats.org/presentationml/2006/main">
+  <p:cSld>
+    <p:spTree>
+      <p:nvGrpSpPr>
+        <p:cNvPr id="1" name=""/>
+        <p:cNvGrpSpPr/>
+        <p:nvPr/>
+      </p:nvGrpSpPr>
+      <p:grpSpPr>
+        <a:xfrm>
+          <a:off x="0" y="0"/>
+          <a:ext cx="0" cy="0"/>
+          <a:chOff x="0" y="0"/>
+          <a:chExt cx="0" cy="0"/>
+        </a:xfrm>
+      </p:grpSpPr>
+      <p:pic>
+        <p:nvPicPr>
+          <p:cNvPr id="3" name="Picture 2">
+            <a:extLst>
+              <a:ext uri="{FF2B5EF4-FFF2-40B4-BE49-F238E27FC236}">
                 <a16:creationId xmlns:a16="http://schemas.microsoft.com/office/drawing/2014/main" id="{87E5BF8B-D5E0-4F49-BF1E-BB8A9B975330}"/>
               </a:ext>
             </a:extLst>
@@ -6121,7 +6193,7 @@
 </p:sld>
 </file>
 
-<file path=ppt/slides/slide11.xml><?xml version="1.0" encoding="utf-8"?>
+<file path=ppt/slides/slide12.xml><?xml version="1.0" encoding="utf-8"?>
 <p:sld xmlns:a="http://schemas.openxmlformats.org/drawingml/2006/main" xmlns:r="http://schemas.openxmlformats.org/officeDocument/2006/relationships" xmlns:p="http://schemas.openxmlformats.org/presentationml/2006/main">
   <p:cSld>
     <p:spTree>
@@ -6186,7 +6258,7 @@
 </p:sld>
 </file>
 
-<file path=ppt/slides/slide12.xml><?xml version="1.0" encoding="utf-8"?>
+<file path=ppt/slides/slide13.xml><?xml version="1.0" encoding="utf-8"?>
 <p:sld xmlns:a="http://schemas.openxmlformats.org/drawingml/2006/main" xmlns:r="http://schemas.openxmlformats.org/officeDocument/2006/relationships" xmlns:p="http://schemas.openxmlformats.org/presentationml/2006/main">
   <p:cSld>
     <p:spTree>
@@ -6252,7 +6324,7 @@
 </p:sld>
 </file>
 
-<file path=ppt/slides/slide13.xml><?xml version="1.0" encoding="utf-8"?>
+<file path=ppt/slides/slide14.xml><?xml version="1.0" encoding="utf-8"?>
 <p:sld xmlns:a="http://schemas.openxmlformats.org/drawingml/2006/main" xmlns:r="http://schemas.openxmlformats.org/officeDocument/2006/relationships" xmlns:p="http://schemas.openxmlformats.org/presentationml/2006/main">
   <p:cSld>
     <p:spTree>
@@ -6318,6 +6390,462 @@
 </p:sld>
 </file>
 
+<file path=ppt/slides/slide15.xml><?xml version="1.0" encoding="utf-8"?>
+<p:sld xmlns:a="http://schemas.openxmlformats.org/drawingml/2006/main" xmlns:r="http://schemas.openxmlformats.org/officeDocument/2006/relationships" xmlns:p="http://schemas.openxmlformats.org/presentationml/2006/main">
+  <p:cSld>
+    <p:spTree>
+      <p:nvGrpSpPr>
+        <p:cNvPr id="1" name=""/>
+        <p:cNvGrpSpPr/>
+        <p:nvPr/>
+      </p:nvGrpSpPr>
+      <p:grpSpPr>
+        <a:xfrm>
+          <a:off x="0" y="0"/>
+          <a:ext cx="0" cy="0"/>
+          <a:chOff x="0" y="0"/>
+          <a:chExt cx="0" cy="0"/>
+        </a:xfrm>
+      </p:grpSpPr>
+      <p:sp>
+        <p:nvSpPr>
+          <p:cNvPr id="4" name="Rectangle 3">
+            <a:extLst>
+              <a:ext uri="{FF2B5EF4-FFF2-40B4-BE49-F238E27FC236}">
+                <a16:creationId xmlns:a16="http://schemas.microsoft.com/office/drawing/2014/main" id="{35470027-CD6C-47C7-9E53-82CCBE350D41}"/>
+              </a:ext>
+            </a:extLst>
+          </p:cNvPr>
+          <p:cNvSpPr/>
+          <p:nvPr/>
+        </p:nvSpPr>
+        <p:spPr>
+          <a:xfrm>
+            <a:off x="2701329" y="1897803"/>
+            <a:ext cx="6789343" cy="923330"/>
+          </a:xfrm>
+          <a:prstGeom prst="rect">
+            <a:avLst/>
+          </a:prstGeom>
+          <a:noFill/>
+        </p:spPr>
+        <p:txBody>
+          <a:bodyPr wrap="square" lIns="91440" tIns="45720" rIns="91440" bIns="45720">
+            <a:spAutoFit/>
+          </a:bodyPr>
+          <a:lstStyle/>
+          <a:p>
+            <a:pPr algn="ctr"/>
+            <a:r>
+              <a:rPr lang="he-IL" sz="5400" b="0" cap="none" spc="0" dirty="0">
+                <a:ln w="0"/>
+                <a:solidFill>
+                  <a:schemeClr val="tx1"/>
+                </a:solidFill>
+                <a:effectLst>
+                  <a:outerShdw blurRad="38100" dist="19050" dir="2700000" algn="tl" rotWithShape="0">
+                    <a:schemeClr val="dk1">
+                      <a:alpha val="40000"/>
+                    </a:schemeClr>
+                  </a:outerShdw>
+                </a:effectLst>
+              </a:rPr>
+              <a:t>דוגמאות ריצה</a:t>
+            </a:r>
+            <a:endParaRPr lang="en-US" sz="3200" b="0" cap="none" spc="0" dirty="0">
+              <a:ln w="0"/>
+              <a:solidFill>
+                <a:schemeClr val="tx1"/>
+              </a:solidFill>
+              <a:effectLst>
+                <a:outerShdw blurRad="38100" dist="19050" dir="2700000" algn="tl" rotWithShape="0">
+                  <a:schemeClr val="dk1">
+                    <a:alpha val="40000"/>
+                  </a:schemeClr>
+                </a:outerShdw>
+              </a:effectLst>
+            </a:endParaRPr>
+          </a:p>
+        </p:txBody>
+      </p:sp>
+    </p:spTree>
+    <p:extLst>
+      <p:ext uri="{BB962C8B-B14F-4D97-AF65-F5344CB8AC3E}">
+        <p14:creationId xmlns:p14="http://schemas.microsoft.com/office/powerpoint/2010/main" val="1814332051"/>
+      </p:ext>
+    </p:extLst>
+  </p:cSld>
+  <p:clrMapOvr>
+    <a:masterClrMapping/>
+  </p:clrMapOvr>
+</p:sld>
+</file>
+
+<file path=ppt/slides/slide16.xml><?xml version="1.0" encoding="utf-8"?>
+<p:sld xmlns:a="http://schemas.openxmlformats.org/drawingml/2006/main" xmlns:r="http://schemas.openxmlformats.org/officeDocument/2006/relationships" xmlns:p="http://schemas.openxmlformats.org/presentationml/2006/main">
+  <p:cSld>
+    <p:spTree>
+      <p:nvGrpSpPr>
+        <p:cNvPr id="1" name=""/>
+        <p:cNvGrpSpPr/>
+        <p:nvPr/>
+      </p:nvGrpSpPr>
+      <p:grpSpPr>
+        <a:xfrm>
+          <a:off x="0" y="0"/>
+          <a:ext cx="0" cy="0"/>
+          <a:chOff x="0" y="0"/>
+          <a:chExt cx="0" cy="0"/>
+        </a:xfrm>
+      </p:grpSpPr>
+      <p:sp>
+        <p:nvSpPr>
+          <p:cNvPr id="2" name="Title 1">
+            <a:extLst>
+              <a:ext uri="{FF2B5EF4-FFF2-40B4-BE49-F238E27FC236}">
+                <a16:creationId xmlns:a16="http://schemas.microsoft.com/office/drawing/2014/main" id="{2389F58E-4CF2-4252-8EA2-2ED8154036E8}"/>
+              </a:ext>
+            </a:extLst>
+          </p:cNvPr>
+          <p:cNvSpPr>
+            <a:spLocks noGrp="1"/>
+          </p:cNvSpPr>
+          <p:nvPr>
+            <p:ph type="title"/>
+          </p:nvPr>
+        </p:nvSpPr>
+        <p:spPr/>
+        <p:txBody>
+          <a:bodyPr/>
+          <a:lstStyle/>
+          <a:p>
+            <a:pPr algn="r"/>
+            <a:r>
+              <a:rPr lang="en-US" dirty="0"/>
+              <a:t>Register Page</a:t>
+            </a:r>
+            <a:endParaRPr lang="en-IL" dirty="0"/>
+          </a:p>
+        </p:txBody>
+      </p:sp>
+      <p:pic>
+        <p:nvPicPr>
+          <p:cNvPr id="8" name="Picture 7">
+            <a:extLst>
+              <a:ext uri="{FF2B5EF4-FFF2-40B4-BE49-F238E27FC236}">
+                <a16:creationId xmlns:a16="http://schemas.microsoft.com/office/drawing/2014/main" id="{C9439110-ACF7-48A9-9297-CAB8C5ABB2D3}"/>
+              </a:ext>
+            </a:extLst>
+          </p:cNvPr>
+          <p:cNvPicPr>
+            <a:picLocks noChangeAspect="1"/>
+          </p:cNvPicPr>
+          <p:nvPr/>
+        </p:nvPicPr>
+        <p:blipFill>
+          <a:blip r:embed="rId2"/>
+          <a:stretch>
+            <a:fillRect/>
+          </a:stretch>
+        </p:blipFill>
+        <p:spPr>
+          <a:xfrm>
+            <a:off x="677334" y="609600"/>
+            <a:ext cx="3619500" cy="5819775"/>
+          </a:xfrm>
+          <a:prstGeom prst="rect">
+            <a:avLst/>
+          </a:prstGeom>
+        </p:spPr>
+      </p:pic>
+    </p:spTree>
+    <p:extLst>
+      <p:ext uri="{BB962C8B-B14F-4D97-AF65-F5344CB8AC3E}">
+        <p14:creationId xmlns:p14="http://schemas.microsoft.com/office/powerpoint/2010/main" val="947090923"/>
+      </p:ext>
+    </p:extLst>
+  </p:cSld>
+  <p:clrMapOvr>
+    <a:masterClrMapping/>
+  </p:clrMapOvr>
+</p:sld>
+</file>
+
+<file path=ppt/slides/slide17.xml><?xml version="1.0" encoding="utf-8"?>
+<p:sld xmlns:a="http://schemas.openxmlformats.org/drawingml/2006/main" xmlns:r="http://schemas.openxmlformats.org/officeDocument/2006/relationships" xmlns:p="http://schemas.openxmlformats.org/presentationml/2006/main">
+  <p:cSld>
+    <p:spTree>
+      <p:nvGrpSpPr>
+        <p:cNvPr id="1" name=""/>
+        <p:cNvGrpSpPr/>
+        <p:nvPr/>
+      </p:nvGrpSpPr>
+      <p:grpSpPr>
+        <a:xfrm>
+          <a:off x="0" y="0"/>
+          <a:ext cx="0" cy="0"/>
+          <a:chOff x="0" y="0"/>
+          <a:chExt cx="0" cy="0"/>
+        </a:xfrm>
+      </p:grpSpPr>
+      <p:sp>
+        <p:nvSpPr>
+          <p:cNvPr id="2" name="Title 1">
+            <a:extLst>
+              <a:ext uri="{FF2B5EF4-FFF2-40B4-BE49-F238E27FC236}">
+                <a16:creationId xmlns:a16="http://schemas.microsoft.com/office/drawing/2014/main" id="{2389F58E-4CF2-4252-8EA2-2ED8154036E8}"/>
+              </a:ext>
+            </a:extLst>
+          </p:cNvPr>
+          <p:cNvSpPr>
+            <a:spLocks noGrp="1"/>
+          </p:cNvSpPr>
+          <p:nvPr>
+            <p:ph type="title"/>
+          </p:nvPr>
+        </p:nvSpPr>
+        <p:spPr/>
+        <p:txBody>
+          <a:bodyPr/>
+          <a:lstStyle/>
+          <a:p>
+            <a:pPr algn="r"/>
+            <a:r>
+              <a:rPr lang="en-US" dirty="0"/>
+              <a:t>Login Page</a:t>
+            </a:r>
+            <a:endParaRPr lang="en-IL" dirty="0"/>
+          </a:p>
+        </p:txBody>
+      </p:sp>
+      <p:pic>
+        <p:nvPicPr>
+          <p:cNvPr id="3" name="Picture 2">
+            <a:extLst>
+              <a:ext uri="{FF2B5EF4-FFF2-40B4-BE49-F238E27FC236}">
+                <a16:creationId xmlns:a16="http://schemas.microsoft.com/office/drawing/2014/main" id="{B2030817-A538-4EF2-9B93-0BB4CA114B87}"/>
+              </a:ext>
+            </a:extLst>
+          </p:cNvPr>
+          <p:cNvPicPr>
+            <a:picLocks noChangeAspect="1"/>
+          </p:cNvPicPr>
+          <p:nvPr/>
+        </p:nvPicPr>
+        <p:blipFill>
+          <a:blip r:embed="rId2"/>
+          <a:stretch>
+            <a:fillRect/>
+          </a:stretch>
+        </p:blipFill>
+        <p:spPr>
+          <a:xfrm>
+            <a:off x="677334" y="609600"/>
+            <a:ext cx="3619500" cy="5819775"/>
+          </a:xfrm>
+          <a:prstGeom prst="rect">
+            <a:avLst/>
+          </a:prstGeom>
+        </p:spPr>
+      </p:pic>
+    </p:spTree>
+    <p:extLst>
+      <p:ext uri="{BB962C8B-B14F-4D97-AF65-F5344CB8AC3E}">
+        <p14:creationId xmlns:p14="http://schemas.microsoft.com/office/powerpoint/2010/main" val="3987131847"/>
+      </p:ext>
+    </p:extLst>
+  </p:cSld>
+  <p:clrMapOvr>
+    <a:masterClrMapping/>
+  </p:clrMapOvr>
+</p:sld>
+</file>
+
+<file path=ppt/slides/slide18.xml><?xml version="1.0" encoding="utf-8"?>
+<p:sld xmlns:a="http://schemas.openxmlformats.org/drawingml/2006/main" xmlns:r="http://schemas.openxmlformats.org/officeDocument/2006/relationships" xmlns:p="http://schemas.openxmlformats.org/presentationml/2006/main">
+  <p:cSld>
+    <p:spTree>
+      <p:nvGrpSpPr>
+        <p:cNvPr id="1" name=""/>
+        <p:cNvGrpSpPr/>
+        <p:nvPr/>
+      </p:nvGrpSpPr>
+      <p:grpSpPr>
+        <a:xfrm>
+          <a:off x="0" y="0"/>
+          <a:ext cx="0" cy="0"/>
+          <a:chOff x="0" y="0"/>
+          <a:chExt cx="0" cy="0"/>
+        </a:xfrm>
+      </p:grpSpPr>
+      <p:sp>
+        <p:nvSpPr>
+          <p:cNvPr id="2" name="Title 1">
+            <a:extLst>
+              <a:ext uri="{FF2B5EF4-FFF2-40B4-BE49-F238E27FC236}">
+                <a16:creationId xmlns:a16="http://schemas.microsoft.com/office/drawing/2014/main" id="{2389F58E-4CF2-4252-8EA2-2ED8154036E8}"/>
+              </a:ext>
+            </a:extLst>
+          </p:cNvPr>
+          <p:cNvSpPr>
+            <a:spLocks noGrp="1"/>
+          </p:cNvSpPr>
+          <p:nvPr>
+            <p:ph type="title"/>
+          </p:nvPr>
+        </p:nvSpPr>
+        <p:spPr>
+          <a:xfrm>
+            <a:off x="677334" y="609600"/>
+            <a:ext cx="8596668" cy="1320800"/>
+          </a:xfrm>
+        </p:spPr>
+        <p:txBody>
+          <a:bodyPr/>
+          <a:lstStyle/>
+          <a:p>
+            <a:pPr algn="r"/>
+            <a:r>
+              <a:rPr lang="en-US"/>
+              <a:t>Home Page</a:t>
+            </a:r>
+            <a:endParaRPr lang="en-IL" dirty="0"/>
+          </a:p>
+        </p:txBody>
+      </p:sp>
+      <p:pic>
+        <p:nvPicPr>
+          <p:cNvPr id="4" name="Picture 3">
+            <a:extLst>
+              <a:ext uri="{FF2B5EF4-FFF2-40B4-BE49-F238E27FC236}">
+                <a16:creationId xmlns:a16="http://schemas.microsoft.com/office/drawing/2014/main" id="{3F5DF176-44AE-488E-A41B-DC65ADC2C572}"/>
+              </a:ext>
+            </a:extLst>
+          </p:cNvPr>
+          <p:cNvPicPr>
+            <a:picLocks noChangeAspect="1"/>
+          </p:cNvPicPr>
+          <p:nvPr/>
+        </p:nvPicPr>
+        <p:blipFill>
+          <a:blip r:embed="rId2"/>
+          <a:stretch>
+            <a:fillRect/>
+          </a:stretch>
+        </p:blipFill>
+        <p:spPr>
+          <a:xfrm>
+            <a:off x="677334" y="609600"/>
+            <a:ext cx="3619500" cy="5819775"/>
+          </a:xfrm>
+          <a:prstGeom prst="rect">
+            <a:avLst/>
+          </a:prstGeom>
+        </p:spPr>
+      </p:pic>
+    </p:spTree>
+    <p:extLst>
+      <p:ext uri="{BB962C8B-B14F-4D97-AF65-F5344CB8AC3E}">
+        <p14:creationId xmlns:p14="http://schemas.microsoft.com/office/powerpoint/2010/main" val="1065235140"/>
+      </p:ext>
+    </p:extLst>
+  </p:cSld>
+  <p:clrMapOvr>
+    <a:masterClrMapping/>
+  </p:clrMapOvr>
+</p:sld>
+</file>
+
+<file path=ppt/slides/slide19.xml><?xml version="1.0" encoding="utf-8"?>
+<p:sld xmlns:a="http://schemas.openxmlformats.org/drawingml/2006/main" xmlns:r="http://schemas.openxmlformats.org/officeDocument/2006/relationships" xmlns:p="http://schemas.openxmlformats.org/presentationml/2006/main">
+  <p:cSld>
+    <p:spTree>
+      <p:nvGrpSpPr>
+        <p:cNvPr id="1" name=""/>
+        <p:cNvGrpSpPr/>
+        <p:nvPr/>
+      </p:nvGrpSpPr>
+      <p:grpSpPr>
+        <a:xfrm>
+          <a:off x="0" y="0"/>
+          <a:ext cx="0" cy="0"/>
+          <a:chOff x="0" y="0"/>
+          <a:chExt cx="0" cy="0"/>
+        </a:xfrm>
+      </p:grpSpPr>
+      <p:sp>
+        <p:nvSpPr>
+          <p:cNvPr id="2" name="Title 1">
+            <a:extLst>
+              <a:ext uri="{FF2B5EF4-FFF2-40B4-BE49-F238E27FC236}">
+                <a16:creationId xmlns:a16="http://schemas.microsoft.com/office/drawing/2014/main" id="{2389F58E-4CF2-4252-8EA2-2ED8154036E8}"/>
+              </a:ext>
+            </a:extLst>
+          </p:cNvPr>
+          <p:cNvSpPr>
+            <a:spLocks noGrp="1"/>
+          </p:cNvSpPr>
+          <p:nvPr>
+            <p:ph type="title"/>
+          </p:nvPr>
+        </p:nvSpPr>
+        <p:spPr/>
+        <p:txBody>
+          <a:bodyPr/>
+          <a:lstStyle/>
+          <a:p>
+            <a:pPr algn="r"/>
+            <a:r>
+              <a:rPr lang="en-US" dirty="0"/>
+              <a:t>Hackathon Page</a:t>
+            </a:r>
+            <a:endParaRPr lang="en-IL" dirty="0"/>
+          </a:p>
+        </p:txBody>
+      </p:sp>
+      <p:pic>
+        <p:nvPicPr>
+          <p:cNvPr id="4" name="Picture 3">
+            <a:extLst>
+              <a:ext uri="{FF2B5EF4-FFF2-40B4-BE49-F238E27FC236}">
+                <a16:creationId xmlns:a16="http://schemas.microsoft.com/office/drawing/2014/main" id="{BD435F08-82D4-49B9-AD83-BA57AF4BB5B5}"/>
+              </a:ext>
+            </a:extLst>
+          </p:cNvPr>
+          <p:cNvPicPr>
+            <a:picLocks noChangeAspect="1"/>
+          </p:cNvPicPr>
+          <p:nvPr/>
+        </p:nvPicPr>
+        <p:blipFill>
+          <a:blip r:embed="rId2"/>
+          <a:stretch>
+            <a:fillRect/>
+          </a:stretch>
+        </p:blipFill>
+        <p:spPr>
+          <a:xfrm>
+            <a:off x="677334" y="609600"/>
+            <a:ext cx="3619500" cy="5819775"/>
+          </a:xfrm>
+          <a:prstGeom prst="rect">
+            <a:avLst/>
+          </a:prstGeom>
+        </p:spPr>
+      </p:pic>
+    </p:spTree>
+    <p:extLst>
+      <p:ext uri="{BB962C8B-B14F-4D97-AF65-F5344CB8AC3E}">
+        <p14:creationId xmlns:p14="http://schemas.microsoft.com/office/powerpoint/2010/main" val="398320075"/>
+      </p:ext>
+    </p:extLst>
+  </p:cSld>
+  <p:clrMapOvr>
+    <a:masterClrMapping/>
+  </p:clrMapOvr>
+</p:sld>
+</file>
+
 <file path=ppt/slides/slide2.xml><?xml version="1.0" encoding="utf-8"?>
 <p:sld xmlns:a="http://schemas.openxmlformats.org/drawingml/2006/main" xmlns:r="http://schemas.openxmlformats.org/officeDocument/2006/relationships" xmlns:p="http://schemas.openxmlformats.org/presentationml/2006/main">
   <p:cSld>
@@ -6670,7 +7198,7 @@
             </a:r>
             <a:r>
               <a:rPr lang="en-US" dirty="0" err="1"/>
-              <a:t>github</a:t>
+              <a:t>Github</a:t>
             </a:r>
             <a:r>
               <a:rPr lang="he-IL" dirty="0"/>
@@ -6873,56 +7401,35 @@
           </a:p>
         </p:txBody>
       </p:sp>
-      <p:sp>
-        <p:nvSpPr>
-          <p:cNvPr id="3" name="Content Placeholder 2">
+      <p:pic>
+        <p:nvPicPr>
+          <p:cNvPr id="5" name="Picture 4">
             <a:extLst>
               <a:ext uri="{FF2B5EF4-FFF2-40B4-BE49-F238E27FC236}">
-                <a16:creationId xmlns:a16="http://schemas.microsoft.com/office/drawing/2014/main" id="{49C5B306-9D32-47E4-8795-0152D149AF12}"/>
+                <a16:creationId xmlns:a16="http://schemas.microsoft.com/office/drawing/2014/main" id="{A632149C-058C-4ECA-A601-D4D5C5AE7CDA}"/>
               </a:ext>
             </a:extLst>
           </p:cNvPr>
-          <p:cNvSpPr>
-            <a:spLocks noGrp="1"/>
-          </p:cNvSpPr>
-          <p:nvPr>
-            <p:ph idx="1"/>
-          </p:nvPr>
-        </p:nvSpPr>
+          <p:cNvPicPr>
+            <a:picLocks noChangeAspect="1"/>
+          </p:cNvPicPr>
+          <p:nvPr/>
+        </p:nvPicPr>
+        <p:blipFill rotWithShape="1">
+          <a:blip r:embed="rId2"/>
+          <a:srcRect l="18608" t="26245" r="1577" b="26348"/>
+          <a:stretch/>
+        </p:blipFill>
         <p:spPr>
           <a:xfrm>
-            <a:off x="1326690" y="2173841"/>
-            <a:ext cx="8596668" cy="3880773"/>
+            <a:off x="285475" y="1488613"/>
+            <a:ext cx="11621049" cy="3880773"/>
           </a:xfrm>
+          <a:prstGeom prst="rect">
+            <a:avLst/>
+          </a:prstGeom>
         </p:spPr>
-        <p:txBody>
-          <a:bodyPr/>
-          <a:lstStyle/>
-          <a:p>
-            <a:pPr marL="0" indent="0" algn="r" rtl="1">
-              <a:buNone/>
-            </a:pPr>
-            <a:r>
-              <a:rPr lang="he-IL"/>
-              <a:t>דרישות הפרויקט:</a:t>
-            </a:r>
-          </a:p>
-          <a:p>
-            <a:pPr algn="r" rtl="1">
-              <a:buFont typeface="Wingdings" panose="05000000000000000000" pitchFamily="2" charset="2"/>
-              <a:buChar char="v"/>
-            </a:pPr>
-            <a:endParaRPr lang="he-IL" dirty="0"/>
-          </a:p>
-          <a:p>
-            <a:pPr algn="r" rtl="1">
-              <a:buFont typeface="Wingdings" panose="05000000000000000000" pitchFamily="2" charset="2"/>
-              <a:buChar char="v"/>
-            </a:pPr>
-            <a:endParaRPr lang="en-IL" dirty="0"/>
-          </a:p>
-        </p:txBody>
-      </p:sp>
+      </p:pic>
     </p:spTree>
     <p:extLst>
       <p:ext uri="{BB962C8B-B14F-4D97-AF65-F5344CB8AC3E}">
@@ -6937,6 +7444,94 @@
 </file>
 
 <file path=ppt/slides/slide7.xml><?xml version="1.0" encoding="utf-8"?>
+<p:sld xmlns:a="http://schemas.openxmlformats.org/drawingml/2006/main" xmlns:r="http://schemas.openxmlformats.org/officeDocument/2006/relationships" xmlns:p="http://schemas.openxmlformats.org/presentationml/2006/main">
+  <p:cSld>
+    <p:spTree>
+      <p:nvGrpSpPr>
+        <p:cNvPr id="1" name=""/>
+        <p:cNvGrpSpPr/>
+        <p:nvPr/>
+      </p:nvGrpSpPr>
+      <p:grpSpPr>
+        <a:xfrm>
+          <a:off x="0" y="0"/>
+          <a:ext cx="0" cy="0"/>
+          <a:chOff x="0" y="0"/>
+          <a:chExt cx="0" cy="0"/>
+        </a:xfrm>
+      </p:grpSpPr>
+      <p:sp>
+        <p:nvSpPr>
+          <p:cNvPr id="4" name="Rectangle 3">
+            <a:extLst>
+              <a:ext uri="{FF2B5EF4-FFF2-40B4-BE49-F238E27FC236}">
+                <a16:creationId xmlns:a16="http://schemas.microsoft.com/office/drawing/2014/main" id="{35470027-CD6C-47C7-9E53-82CCBE350D41}"/>
+              </a:ext>
+            </a:extLst>
+          </p:cNvPr>
+          <p:cNvSpPr/>
+          <p:nvPr/>
+        </p:nvSpPr>
+        <p:spPr>
+          <a:xfrm>
+            <a:off x="2701329" y="1897803"/>
+            <a:ext cx="6789343" cy="923330"/>
+          </a:xfrm>
+          <a:prstGeom prst="rect">
+            <a:avLst/>
+          </a:prstGeom>
+          <a:noFill/>
+        </p:spPr>
+        <p:txBody>
+          <a:bodyPr wrap="square" lIns="91440" tIns="45720" rIns="91440" bIns="45720">
+            <a:spAutoFit/>
+          </a:bodyPr>
+          <a:lstStyle/>
+          <a:p>
+            <a:pPr algn="ctr"/>
+            <a:r>
+              <a:rPr lang="he-IL" sz="5400" dirty="0">
+                <a:ln w="0"/>
+                <a:effectLst>
+                  <a:outerShdw blurRad="38100" dist="19050" dir="2700000" algn="tl" rotWithShape="0">
+                    <a:schemeClr val="dk1">
+                      <a:alpha val="40000"/>
+                    </a:schemeClr>
+                  </a:outerShdw>
+                </a:effectLst>
+              </a:rPr>
+              <a:t>תרשימים</a:t>
+            </a:r>
+            <a:endParaRPr lang="en-US" sz="3200" b="0" cap="none" spc="0" dirty="0">
+              <a:ln w="0"/>
+              <a:solidFill>
+                <a:schemeClr val="tx1"/>
+              </a:solidFill>
+              <a:effectLst>
+                <a:outerShdw blurRad="38100" dist="19050" dir="2700000" algn="tl" rotWithShape="0">
+                  <a:schemeClr val="dk1">
+                    <a:alpha val="40000"/>
+                  </a:schemeClr>
+                </a:outerShdw>
+              </a:effectLst>
+            </a:endParaRPr>
+          </a:p>
+        </p:txBody>
+      </p:sp>
+    </p:spTree>
+    <p:extLst>
+      <p:ext uri="{BB962C8B-B14F-4D97-AF65-F5344CB8AC3E}">
+        <p14:creationId xmlns:p14="http://schemas.microsoft.com/office/powerpoint/2010/main" val="1261286821"/>
+      </p:ext>
+    </p:extLst>
+  </p:cSld>
+  <p:clrMapOvr>
+    <a:masterClrMapping/>
+  </p:clrMapOvr>
+</p:sld>
+</file>
+
+<file path=ppt/slides/slide8.xml><?xml version="1.0" encoding="utf-8"?>
 <p:sld xmlns:a="http://schemas.openxmlformats.org/drawingml/2006/main" xmlns:r="http://schemas.openxmlformats.org/officeDocument/2006/relationships" xmlns:p="http://schemas.openxmlformats.org/presentationml/2006/main">
   <p:cSld>
     <p:spTree>
@@ -7001,7 +7596,7 @@
 </p:sld>
 </file>
 
-<file path=ppt/slides/slide8.xml><?xml version="1.0" encoding="utf-8"?>
+<file path=ppt/slides/slide9.xml><?xml version="1.0" encoding="utf-8"?>
 <p:sld xmlns:a="http://schemas.openxmlformats.org/drawingml/2006/main" xmlns:r="http://schemas.openxmlformats.org/officeDocument/2006/relationships" xmlns:p="http://schemas.openxmlformats.org/presentationml/2006/main">
   <p:cSld>
     <p:spTree>
@@ -7058,72 +7653,6 @@
     <p:extLst>
       <p:ext uri="{BB962C8B-B14F-4D97-AF65-F5344CB8AC3E}">
         <p14:creationId xmlns:p14="http://schemas.microsoft.com/office/powerpoint/2010/main" val="3764481031"/>
-      </p:ext>
-    </p:extLst>
-  </p:cSld>
-  <p:clrMapOvr>
-    <a:masterClrMapping/>
-  </p:clrMapOvr>
-</p:sld>
-</file>
-
-<file path=ppt/slides/slide9.xml><?xml version="1.0" encoding="utf-8"?>
-<p:sld xmlns:a="http://schemas.openxmlformats.org/drawingml/2006/main" xmlns:r="http://schemas.openxmlformats.org/officeDocument/2006/relationships" xmlns:p="http://schemas.openxmlformats.org/presentationml/2006/main">
-  <p:cSld>
-    <p:spTree>
-      <p:nvGrpSpPr>
-        <p:cNvPr id="1" name=""/>
-        <p:cNvGrpSpPr/>
-        <p:nvPr/>
-      </p:nvGrpSpPr>
-      <p:grpSpPr>
-        <a:xfrm>
-          <a:off x="0" y="0"/>
-          <a:ext cx="0" cy="0"/>
-          <a:chOff x="0" y="0"/>
-          <a:chExt cx="0" cy="0"/>
-        </a:xfrm>
-      </p:grpSpPr>
-      <p:pic>
-        <p:nvPicPr>
-          <p:cNvPr id="3" name="Picture 2">
-            <a:extLst>
-              <a:ext uri="{FF2B5EF4-FFF2-40B4-BE49-F238E27FC236}">
-                <a16:creationId xmlns:a16="http://schemas.microsoft.com/office/drawing/2014/main" id="{FB34B54B-4E97-44F0-AA2F-7E3857B8086D}"/>
-              </a:ext>
-            </a:extLst>
-          </p:cNvPr>
-          <p:cNvPicPr>
-            <a:picLocks noChangeAspect="1"/>
-          </p:cNvPicPr>
-          <p:nvPr/>
-        </p:nvPicPr>
-        <p:blipFill>
-          <a:blip r:embed="rId2">
-            <a:extLst>
-              <a:ext uri="{28A0092B-C50C-407E-A947-70E740481C1C}">
-                <a14:useLocalDpi xmlns:a14="http://schemas.microsoft.com/office/drawing/2010/main" val="0"/>
-              </a:ext>
-            </a:extLst>
-          </a:blip>
-          <a:stretch>
-            <a:fillRect/>
-          </a:stretch>
-        </p:blipFill>
-        <p:spPr>
-          <a:xfrm>
-            <a:off x="1581873" y="642548"/>
-            <a:ext cx="6439799" cy="5572903"/>
-          </a:xfrm>
-          <a:prstGeom prst="rect">
-            <a:avLst/>
-          </a:prstGeom>
-        </p:spPr>
-      </p:pic>
-    </p:spTree>
-    <p:extLst>
-      <p:ext uri="{BB962C8B-B14F-4D97-AF65-F5344CB8AC3E}">
-        <p14:creationId xmlns:p14="http://schemas.microsoft.com/office/powerpoint/2010/main" val="2881003867"/>
       </p:ext>
     </p:extLst>
   </p:cSld>

--- a/מצגת האקתון.pptx
+++ b/מצגת האקתון.pptx
@@ -24,6 +24,10 @@
     <p:sldId id="273" r:id="rId18"/>
     <p:sldId id="274" r:id="rId19"/>
     <p:sldId id="275" r:id="rId20"/>
+    <p:sldId id="276" r:id="rId21"/>
+    <p:sldId id="277" r:id="rId22"/>
+    <p:sldId id="278" r:id="rId23"/>
+    <p:sldId id="279" r:id="rId24"/>
   </p:sldIdLst>
   <p:sldSz cx="12192000" cy="6858000"/>
   <p:notesSz cx="6858000" cy="9144000"/>
@@ -852,7 +856,7 @@
           <a:p>
             <a:fld id="{3465D5F7-101B-4652-9E5E-3B4CEFD41744}" type="datetimeFigureOut">
               <a:rPr lang="en-IL" smtClean="0"/>
-              <a:t>07/01/2019</a:t>
+              <a:t>10/01/2019</a:t>
             </a:fld>
             <a:endParaRPr lang="en-IL"/>
           </a:p>
@@ -1103,7 +1107,7 @@
           <a:p>
             <a:fld id="{3465D5F7-101B-4652-9E5E-3B4CEFD41744}" type="datetimeFigureOut">
               <a:rPr lang="en-IL" smtClean="0"/>
-              <a:t>07/01/2019</a:t>
+              <a:t>10/01/2019</a:t>
             </a:fld>
             <a:endParaRPr lang="en-IL"/>
           </a:p>
@@ -1417,7 +1421,7 @@
           <a:p>
             <a:fld id="{3465D5F7-101B-4652-9E5E-3B4CEFD41744}" type="datetimeFigureOut">
               <a:rPr lang="en-IL" smtClean="0"/>
-              <a:t>07/01/2019</a:t>
+              <a:t>10/01/2019</a:t>
             </a:fld>
             <a:endParaRPr lang="en-IL"/>
           </a:p>
@@ -1758,7 +1762,7 @@
           <a:p>
             <a:fld id="{3465D5F7-101B-4652-9E5E-3B4CEFD41744}" type="datetimeFigureOut">
               <a:rPr lang="en-IL" smtClean="0"/>
-              <a:t>07/01/2019</a:t>
+              <a:t>10/01/2019</a:t>
             </a:fld>
             <a:endParaRPr lang="en-IL"/>
           </a:p>
@@ -2072,7 +2076,7 @@
           <a:p>
             <a:fld id="{3465D5F7-101B-4652-9E5E-3B4CEFD41744}" type="datetimeFigureOut">
               <a:rPr lang="en-IL" smtClean="0"/>
-              <a:t>07/01/2019</a:t>
+              <a:t>10/01/2019</a:t>
             </a:fld>
             <a:endParaRPr lang="en-IL"/>
           </a:p>
@@ -2465,7 +2469,7 @@
           <a:p>
             <a:fld id="{3465D5F7-101B-4652-9E5E-3B4CEFD41744}" type="datetimeFigureOut">
               <a:rPr lang="en-IL" smtClean="0"/>
-              <a:t>07/01/2019</a:t>
+              <a:t>10/01/2019</a:t>
             </a:fld>
             <a:endParaRPr lang="en-IL"/>
           </a:p>
@@ -2635,7 +2639,7 @@
           <a:p>
             <a:fld id="{3465D5F7-101B-4652-9E5E-3B4CEFD41744}" type="datetimeFigureOut">
               <a:rPr lang="en-IL" smtClean="0"/>
-              <a:t>07/01/2019</a:t>
+              <a:t>10/01/2019</a:t>
             </a:fld>
             <a:endParaRPr lang="en-IL"/>
           </a:p>
@@ -2815,7 +2819,7 @@
           <a:p>
             <a:fld id="{3465D5F7-101B-4652-9E5E-3B4CEFD41744}" type="datetimeFigureOut">
               <a:rPr lang="en-IL" smtClean="0"/>
-              <a:t>07/01/2019</a:t>
+              <a:t>10/01/2019</a:t>
             </a:fld>
             <a:endParaRPr lang="en-IL"/>
           </a:p>
@@ -2991,7 +2995,7 @@
           <a:p>
             <a:fld id="{3465D5F7-101B-4652-9E5E-3B4CEFD41744}" type="datetimeFigureOut">
               <a:rPr lang="en-IL" smtClean="0"/>
-              <a:t>07/01/2019</a:t>
+              <a:t>10/01/2019</a:t>
             </a:fld>
             <a:endParaRPr lang="en-IL"/>
           </a:p>
@@ -3238,7 +3242,7 @@
           <a:p>
             <a:fld id="{3465D5F7-101B-4652-9E5E-3B4CEFD41744}" type="datetimeFigureOut">
               <a:rPr lang="en-IL" smtClean="0"/>
-              <a:t>07/01/2019</a:t>
+              <a:t>10/01/2019</a:t>
             </a:fld>
             <a:endParaRPr lang="en-IL"/>
           </a:p>
@@ -3470,7 +3474,7 @@
           <a:p>
             <a:fld id="{3465D5F7-101B-4652-9E5E-3B4CEFD41744}" type="datetimeFigureOut">
               <a:rPr lang="en-IL" smtClean="0"/>
-              <a:t>07/01/2019</a:t>
+              <a:t>10/01/2019</a:t>
             </a:fld>
             <a:endParaRPr lang="en-IL"/>
           </a:p>
@@ -3844,7 +3848,7 @@
           <a:p>
             <a:fld id="{3465D5F7-101B-4652-9E5E-3B4CEFD41744}" type="datetimeFigureOut">
               <a:rPr lang="en-IL" smtClean="0"/>
-              <a:t>07/01/2019</a:t>
+              <a:t>10/01/2019</a:t>
             </a:fld>
             <a:endParaRPr lang="en-IL"/>
           </a:p>
@@ -3967,7 +3971,7 @@
           <a:p>
             <a:fld id="{3465D5F7-101B-4652-9E5E-3B4CEFD41744}" type="datetimeFigureOut">
               <a:rPr lang="en-IL" smtClean="0"/>
-              <a:t>07/01/2019</a:t>
+              <a:t>10/01/2019</a:t>
             </a:fld>
             <a:endParaRPr lang="en-IL"/>
           </a:p>
@@ -4062,7 +4066,7 @@
           <a:p>
             <a:fld id="{3465D5F7-101B-4652-9E5E-3B4CEFD41744}" type="datetimeFigureOut">
               <a:rPr lang="en-IL" smtClean="0"/>
-              <a:t>07/01/2019</a:t>
+              <a:t>10/01/2019</a:t>
             </a:fld>
             <a:endParaRPr lang="en-IL"/>
           </a:p>
@@ -4317,7 +4321,7 @@
           <a:p>
             <a:fld id="{3465D5F7-101B-4652-9E5E-3B4CEFD41744}" type="datetimeFigureOut">
               <a:rPr lang="en-IL" smtClean="0"/>
-              <a:t>07/01/2019</a:t>
+              <a:t>10/01/2019</a:t>
             </a:fld>
             <a:endParaRPr lang="en-IL"/>
           </a:p>
@@ -4580,7 +4584,7 @@
           <a:p>
             <a:fld id="{3465D5F7-101B-4652-9E5E-3B4CEFD41744}" type="datetimeFigureOut">
               <a:rPr lang="en-IL" smtClean="0"/>
-              <a:t>07/01/2019</a:t>
+              <a:t>10/01/2019</a:t>
             </a:fld>
             <a:endParaRPr lang="en-IL"/>
           </a:p>
@@ -5323,7 +5327,7 @@
           <a:p>
             <a:fld id="{3465D5F7-101B-4652-9E5E-3B4CEFD41744}" type="datetimeFigureOut">
               <a:rPr lang="en-IL" smtClean="0"/>
-              <a:t>07/01/2019</a:t>
+              <a:t>10/01/2019</a:t>
             </a:fld>
             <a:endParaRPr lang="en-IL"/>
           </a:p>
@@ -5912,7 +5916,7 @@
                   </a:outerShdw>
                 </a:effectLst>
               </a:rPr>
-              <a:t>by:</a:t>
+              <a:t>By:</a:t>
             </a:r>
             <a:r>
               <a:rPr lang="en-US" sz="5400" dirty="0">
@@ -6943,6 +6947,380 @@
 </p:sld>
 </file>
 
+<file path=ppt/slides/slide20.xml><?xml version="1.0" encoding="utf-8"?>
+<p:sld xmlns:a="http://schemas.openxmlformats.org/drawingml/2006/main" xmlns:r="http://schemas.openxmlformats.org/officeDocument/2006/relationships" xmlns:p="http://schemas.openxmlformats.org/presentationml/2006/main">
+  <p:cSld>
+    <p:spTree>
+      <p:nvGrpSpPr>
+        <p:cNvPr id="1" name=""/>
+        <p:cNvGrpSpPr/>
+        <p:nvPr/>
+      </p:nvGrpSpPr>
+      <p:grpSpPr>
+        <a:xfrm>
+          <a:off x="0" y="0"/>
+          <a:ext cx="0" cy="0"/>
+          <a:chOff x="0" y="0"/>
+          <a:chExt cx="0" cy="0"/>
+        </a:xfrm>
+      </p:grpSpPr>
+      <p:sp>
+        <p:nvSpPr>
+          <p:cNvPr id="4" name="Rectangle 3">
+            <a:extLst>
+              <a:ext uri="{FF2B5EF4-FFF2-40B4-BE49-F238E27FC236}">
+                <a16:creationId xmlns:a16="http://schemas.microsoft.com/office/drawing/2014/main" id="{35470027-CD6C-47C7-9E53-82CCBE350D41}"/>
+              </a:ext>
+            </a:extLst>
+          </p:cNvPr>
+          <p:cNvSpPr/>
+          <p:nvPr/>
+        </p:nvSpPr>
+        <p:spPr>
+          <a:xfrm>
+            <a:off x="2701329" y="1897803"/>
+            <a:ext cx="6789343" cy="923330"/>
+          </a:xfrm>
+          <a:prstGeom prst="rect">
+            <a:avLst/>
+          </a:prstGeom>
+          <a:noFill/>
+        </p:spPr>
+        <p:txBody>
+          <a:bodyPr wrap="square" lIns="91440" tIns="45720" rIns="91440" bIns="45720">
+            <a:spAutoFit/>
+          </a:bodyPr>
+          <a:lstStyle/>
+          <a:p>
+            <a:pPr algn="ctr"/>
+            <a:r>
+              <a:rPr lang="he-IL" sz="5400" b="0" cap="none" spc="0" dirty="0">
+                <a:ln w="0"/>
+                <a:solidFill>
+                  <a:schemeClr val="tx1"/>
+                </a:solidFill>
+                <a:effectLst>
+                  <a:outerShdw blurRad="38100" dist="19050" dir="2700000" algn="tl" rotWithShape="0">
+                    <a:schemeClr val="dk1">
+                      <a:alpha val="40000"/>
+                    </a:schemeClr>
+                  </a:outerShdw>
+                </a:effectLst>
+              </a:rPr>
+              <a:t>דוגמאות </a:t>
+            </a:r>
+            <a:r>
+              <a:rPr lang="he-IL" sz="5400" dirty="0">
+                <a:ln w="0"/>
+                <a:effectLst>
+                  <a:outerShdw blurRad="38100" dist="19050" dir="2700000" algn="tl" rotWithShape="0">
+                    <a:schemeClr val="dk1">
+                      <a:alpha val="40000"/>
+                    </a:schemeClr>
+                  </a:outerShdw>
+                </a:effectLst>
+              </a:rPr>
+              <a:t>מהמסד נתונים</a:t>
+            </a:r>
+            <a:endParaRPr lang="en-US" sz="3200" b="0" cap="none" spc="0" dirty="0">
+              <a:ln w="0"/>
+              <a:solidFill>
+                <a:schemeClr val="tx1"/>
+              </a:solidFill>
+              <a:effectLst>
+                <a:outerShdw blurRad="38100" dist="19050" dir="2700000" algn="tl" rotWithShape="0">
+                  <a:schemeClr val="dk1">
+                    <a:alpha val="40000"/>
+                  </a:schemeClr>
+                </a:outerShdw>
+              </a:effectLst>
+            </a:endParaRPr>
+          </a:p>
+        </p:txBody>
+      </p:sp>
+    </p:spTree>
+    <p:extLst>
+      <p:ext uri="{BB962C8B-B14F-4D97-AF65-F5344CB8AC3E}">
+        <p14:creationId xmlns:p14="http://schemas.microsoft.com/office/powerpoint/2010/main" val="1148425939"/>
+      </p:ext>
+    </p:extLst>
+  </p:cSld>
+  <p:clrMapOvr>
+    <a:masterClrMapping/>
+  </p:clrMapOvr>
+</p:sld>
+</file>
+
+<file path=ppt/slides/slide21.xml><?xml version="1.0" encoding="utf-8"?>
+<p:sld xmlns:a="http://schemas.openxmlformats.org/drawingml/2006/main" xmlns:r="http://schemas.openxmlformats.org/officeDocument/2006/relationships" xmlns:p="http://schemas.openxmlformats.org/presentationml/2006/main">
+  <p:cSld>
+    <p:spTree>
+      <p:nvGrpSpPr>
+        <p:cNvPr id="1" name=""/>
+        <p:cNvGrpSpPr/>
+        <p:nvPr/>
+      </p:nvGrpSpPr>
+      <p:grpSpPr>
+        <a:xfrm>
+          <a:off x="0" y="0"/>
+          <a:ext cx="0" cy="0"/>
+          <a:chOff x="0" y="0"/>
+          <a:chExt cx="0" cy="0"/>
+        </a:xfrm>
+      </p:grpSpPr>
+      <p:sp>
+        <p:nvSpPr>
+          <p:cNvPr id="2" name="Title 1">
+            <a:extLst>
+              <a:ext uri="{FF2B5EF4-FFF2-40B4-BE49-F238E27FC236}">
+                <a16:creationId xmlns:a16="http://schemas.microsoft.com/office/drawing/2014/main" id="{2389F58E-4CF2-4252-8EA2-2ED8154036E8}"/>
+              </a:ext>
+            </a:extLst>
+          </p:cNvPr>
+          <p:cNvSpPr>
+            <a:spLocks noGrp="1"/>
+          </p:cNvSpPr>
+          <p:nvPr>
+            <p:ph type="title"/>
+          </p:nvPr>
+        </p:nvSpPr>
+        <p:spPr/>
+        <p:txBody>
+          <a:bodyPr/>
+          <a:lstStyle/>
+          <a:p>
+            <a:pPr algn="r"/>
+            <a:r>
+              <a:rPr lang="en-US" dirty="0"/>
+              <a:t>Hackathon Example</a:t>
+            </a:r>
+            <a:endParaRPr lang="en-IL" dirty="0"/>
+          </a:p>
+        </p:txBody>
+      </p:sp>
+      <p:pic>
+        <p:nvPicPr>
+          <p:cNvPr id="3" name="Picture 2">
+            <a:extLst>
+              <a:ext uri="{FF2B5EF4-FFF2-40B4-BE49-F238E27FC236}">
+                <a16:creationId xmlns:a16="http://schemas.microsoft.com/office/drawing/2014/main" id="{100AFAEF-9F95-465D-B19E-B162EB5CAB61}"/>
+              </a:ext>
+            </a:extLst>
+          </p:cNvPr>
+          <p:cNvPicPr>
+            <a:picLocks noChangeAspect="1"/>
+          </p:cNvPicPr>
+          <p:nvPr/>
+        </p:nvPicPr>
+        <p:blipFill>
+          <a:blip r:embed="rId2"/>
+          <a:stretch>
+            <a:fillRect/>
+          </a:stretch>
+        </p:blipFill>
+        <p:spPr>
+          <a:xfrm>
+            <a:off x="1646680" y="1270000"/>
+            <a:ext cx="6657975" cy="5276850"/>
+          </a:xfrm>
+          <a:prstGeom prst="rect">
+            <a:avLst/>
+          </a:prstGeom>
+        </p:spPr>
+      </p:pic>
+    </p:spTree>
+    <p:extLst>
+      <p:ext uri="{BB962C8B-B14F-4D97-AF65-F5344CB8AC3E}">
+        <p14:creationId xmlns:p14="http://schemas.microsoft.com/office/powerpoint/2010/main" val="1370766007"/>
+      </p:ext>
+    </p:extLst>
+  </p:cSld>
+  <p:clrMapOvr>
+    <a:masterClrMapping/>
+  </p:clrMapOvr>
+</p:sld>
+</file>
+
+<file path=ppt/slides/slide22.xml><?xml version="1.0" encoding="utf-8"?>
+<p:sld xmlns:a="http://schemas.openxmlformats.org/drawingml/2006/main" xmlns:r="http://schemas.openxmlformats.org/officeDocument/2006/relationships" xmlns:p="http://schemas.openxmlformats.org/presentationml/2006/main">
+  <p:cSld>
+    <p:spTree>
+      <p:nvGrpSpPr>
+        <p:cNvPr id="1" name=""/>
+        <p:cNvGrpSpPr/>
+        <p:nvPr/>
+      </p:nvGrpSpPr>
+      <p:grpSpPr>
+        <a:xfrm>
+          <a:off x="0" y="0"/>
+          <a:ext cx="0" cy="0"/>
+          <a:chOff x="0" y="0"/>
+          <a:chExt cx="0" cy="0"/>
+        </a:xfrm>
+      </p:grpSpPr>
+      <p:sp>
+        <p:nvSpPr>
+          <p:cNvPr id="2" name="Title 1">
+            <a:extLst>
+              <a:ext uri="{FF2B5EF4-FFF2-40B4-BE49-F238E27FC236}">
+                <a16:creationId xmlns:a16="http://schemas.microsoft.com/office/drawing/2014/main" id="{2389F58E-4CF2-4252-8EA2-2ED8154036E8}"/>
+              </a:ext>
+            </a:extLst>
+          </p:cNvPr>
+          <p:cNvSpPr>
+            <a:spLocks noGrp="1"/>
+          </p:cNvSpPr>
+          <p:nvPr>
+            <p:ph type="title"/>
+          </p:nvPr>
+        </p:nvSpPr>
+        <p:spPr/>
+        <p:txBody>
+          <a:bodyPr/>
+          <a:lstStyle/>
+          <a:p>
+            <a:pPr algn="r"/>
+            <a:r>
+              <a:rPr lang="en-US" dirty="0"/>
+              <a:t>User Example</a:t>
+            </a:r>
+            <a:endParaRPr lang="en-IL" dirty="0"/>
+          </a:p>
+        </p:txBody>
+      </p:sp>
+      <p:pic>
+        <p:nvPicPr>
+          <p:cNvPr id="3" name="Picture 2">
+            <a:extLst>
+              <a:ext uri="{FF2B5EF4-FFF2-40B4-BE49-F238E27FC236}">
+                <a16:creationId xmlns:a16="http://schemas.microsoft.com/office/drawing/2014/main" id="{1C3B2998-F64E-4977-BDCC-40E582ECB738}"/>
+              </a:ext>
+            </a:extLst>
+          </p:cNvPr>
+          <p:cNvPicPr>
+            <a:picLocks noChangeAspect="1"/>
+          </p:cNvPicPr>
+          <p:nvPr/>
+        </p:nvPicPr>
+        <p:blipFill>
+          <a:blip r:embed="rId2"/>
+          <a:stretch>
+            <a:fillRect/>
+          </a:stretch>
+        </p:blipFill>
+        <p:spPr>
+          <a:xfrm>
+            <a:off x="1265680" y="1270000"/>
+            <a:ext cx="7419975" cy="5324475"/>
+          </a:xfrm>
+          <a:prstGeom prst="rect">
+            <a:avLst/>
+          </a:prstGeom>
+        </p:spPr>
+      </p:pic>
+    </p:spTree>
+    <p:extLst>
+      <p:ext uri="{BB962C8B-B14F-4D97-AF65-F5344CB8AC3E}">
+        <p14:creationId xmlns:p14="http://schemas.microsoft.com/office/powerpoint/2010/main" val="3505570932"/>
+      </p:ext>
+    </p:extLst>
+  </p:cSld>
+  <p:clrMapOvr>
+    <a:masterClrMapping/>
+  </p:clrMapOvr>
+</p:sld>
+</file>
+
+<file path=ppt/slides/slide23.xml><?xml version="1.0" encoding="utf-8"?>
+<p:sld xmlns:a="http://schemas.openxmlformats.org/drawingml/2006/main" xmlns:r="http://schemas.openxmlformats.org/officeDocument/2006/relationships" xmlns:p="http://schemas.openxmlformats.org/presentationml/2006/main">
+  <p:cSld>
+    <p:spTree>
+      <p:nvGrpSpPr>
+        <p:cNvPr id="1" name=""/>
+        <p:cNvGrpSpPr/>
+        <p:nvPr/>
+      </p:nvGrpSpPr>
+      <p:grpSpPr>
+        <a:xfrm>
+          <a:off x="0" y="0"/>
+          <a:ext cx="0" cy="0"/>
+          <a:chOff x="0" y="0"/>
+          <a:chExt cx="0" cy="0"/>
+        </a:xfrm>
+      </p:grpSpPr>
+      <p:sp>
+        <p:nvSpPr>
+          <p:cNvPr id="2" name="Title 1">
+            <a:extLst>
+              <a:ext uri="{FF2B5EF4-FFF2-40B4-BE49-F238E27FC236}">
+                <a16:creationId xmlns:a16="http://schemas.microsoft.com/office/drawing/2014/main" id="{2389F58E-4CF2-4252-8EA2-2ED8154036E8}"/>
+              </a:ext>
+            </a:extLst>
+          </p:cNvPr>
+          <p:cNvSpPr>
+            <a:spLocks noGrp="1"/>
+          </p:cNvSpPr>
+          <p:nvPr>
+            <p:ph type="title"/>
+          </p:nvPr>
+        </p:nvSpPr>
+        <p:spPr/>
+        <p:txBody>
+          <a:bodyPr/>
+          <a:lstStyle/>
+          <a:p>
+            <a:pPr algn="r"/>
+            <a:r>
+              <a:rPr lang="en-US" dirty="0"/>
+              <a:t>Authenticator Example</a:t>
+            </a:r>
+            <a:endParaRPr lang="en-IL" dirty="0"/>
+          </a:p>
+        </p:txBody>
+      </p:sp>
+      <p:pic>
+        <p:nvPicPr>
+          <p:cNvPr id="3" name="Picture 2">
+            <a:extLst>
+              <a:ext uri="{FF2B5EF4-FFF2-40B4-BE49-F238E27FC236}">
+                <a16:creationId xmlns:a16="http://schemas.microsoft.com/office/drawing/2014/main" id="{5CF14100-1337-4D54-9E3B-C59D12A9279C}"/>
+              </a:ext>
+            </a:extLst>
+          </p:cNvPr>
+          <p:cNvPicPr>
+            <a:picLocks noChangeAspect="1"/>
+          </p:cNvPicPr>
+          <p:nvPr/>
+        </p:nvPicPr>
+        <p:blipFill>
+          <a:blip r:embed="rId2"/>
+          <a:stretch>
+            <a:fillRect/>
+          </a:stretch>
+        </p:blipFill>
+        <p:spPr>
+          <a:xfrm>
+            <a:off x="677334" y="1323975"/>
+            <a:ext cx="8877300" cy="4210050"/>
+          </a:xfrm>
+          <a:prstGeom prst="rect">
+            <a:avLst/>
+          </a:prstGeom>
+        </p:spPr>
+      </p:pic>
+    </p:spTree>
+    <p:extLst>
+      <p:ext uri="{BB962C8B-B14F-4D97-AF65-F5344CB8AC3E}">
+        <p14:creationId xmlns:p14="http://schemas.microsoft.com/office/powerpoint/2010/main" val="2530523528"/>
+      </p:ext>
+    </p:extLst>
+  </p:cSld>
+  <p:clrMapOvr>
+    <a:masterClrMapping/>
+  </p:clrMapOvr>
+</p:sld>
+</file>
+
 <file path=ppt/slides/slide3.xml><?xml version="1.0" encoding="utf-8"?>
 <p:sld xmlns:a="http://schemas.openxmlformats.org/drawingml/2006/main" xmlns:r="http://schemas.openxmlformats.org/officeDocument/2006/relationships" xmlns:p="http://schemas.openxmlformats.org/presentationml/2006/main">
   <p:cSld>
@@ -7071,7 +7449,7 @@
             </a:r>
             <a:r>
               <a:rPr lang="en-US" dirty="0" err="1"/>
-              <a:t>github</a:t>
+              <a:t>Github</a:t>
             </a:r>
             <a:r>
               <a:rPr lang="he-IL" dirty="0"/>
@@ -7337,6 +7715,56 @@
               <a:buFont typeface="Wingdings" panose="05000000000000000000" pitchFamily="2" charset="2"/>
               <a:buChar char="v"/>
             </a:pPr>
+            <a:r>
+              <a:rPr lang="he-IL" dirty="0"/>
+              <a:t>השלמת המודל הבסיסי.</a:t>
+            </a:r>
+          </a:p>
+          <a:p>
+            <a:pPr algn="r" rtl="1">
+              <a:buFont typeface="Wingdings" panose="05000000000000000000" pitchFamily="2" charset="2"/>
+              <a:buChar char="v"/>
+            </a:pPr>
+            <a:r>
+              <a:rPr lang="he-IL" dirty="0"/>
+              <a:t>הוספת פונקציונאליות נוספת מעבר לבסיס.</a:t>
+            </a:r>
+          </a:p>
+          <a:p>
+            <a:pPr algn="r" rtl="1">
+              <a:buFont typeface="Wingdings" panose="05000000000000000000" pitchFamily="2" charset="2"/>
+              <a:buChar char="v"/>
+            </a:pPr>
+            <a:r>
+              <a:rPr lang="he-IL" dirty="0"/>
+              <a:t>לפתח קהילה של יוצרי ומשתתפי האקתונים ובכך להגיע למעמד כך שהביצועים באפליקציה יהיו מוכרים בציבור (הוספת קישור לפרופיל ב-</a:t>
+            </a:r>
+            <a:r>
+              <a:rPr lang="en-US" dirty="0" err="1"/>
+              <a:t>Appckathon</a:t>
+            </a:r>
+            <a:r>
+              <a:rPr lang="he-IL" dirty="0"/>
+              <a:t> בקורות חיים, </a:t>
+            </a:r>
+            <a:r>
+              <a:rPr lang="en-US" dirty="0"/>
+              <a:t>LinkedIn</a:t>
+            </a:r>
+            <a:r>
+              <a:rPr lang="he-IL" dirty="0"/>
+              <a:t> וכו').</a:t>
+            </a:r>
+          </a:p>
+          <a:p>
+            <a:pPr algn="r" rtl="1">
+              <a:buFont typeface="Wingdings" panose="05000000000000000000" pitchFamily="2" charset="2"/>
+              <a:buChar char="v"/>
+            </a:pPr>
+            <a:r>
+              <a:rPr lang="he-IL" dirty="0"/>
+              <a:t>להוסיף ספונסרים לאפליקציה ששירותיהם יוצעו למשתתפים וליוצרים של ההאקתונים.</a:t>
+            </a:r>
             <a:endParaRPr lang="en-IL" dirty="0"/>
           </a:p>
         </p:txBody>

--- a/מצגת האקתון.pptx
+++ b/מצגת האקתון.pptx
@@ -24,10 +24,12 @@
     <p:sldId id="273" r:id="rId18"/>
     <p:sldId id="274" r:id="rId19"/>
     <p:sldId id="275" r:id="rId20"/>
-    <p:sldId id="276" r:id="rId21"/>
-    <p:sldId id="277" r:id="rId22"/>
-    <p:sldId id="278" r:id="rId23"/>
-    <p:sldId id="279" r:id="rId24"/>
+    <p:sldId id="280" r:id="rId21"/>
+    <p:sldId id="281" r:id="rId22"/>
+    <p:sldId id="276" r:id="rId23"/>
+    <p:sldId id="277" r:id="rId24"/>
+    <p:sldId id="278" r:id="rId25"/>
+    <p:sldId id="279" r:id="rId26"/>
   </p:sldIdLst>
   <p:sldSz cx="12192000" cy="6858000"/>
   <p:notesSz cx="6858000" cy="9144000"/>
@@ -856,7 +858,7 @@
           <a:p>
             <a:fld id="{3465D5F7-101B-4652-9E5E-3B4CEFD41744}" type="datetimeFigureOut">
               <a:rPr lang="en-IL" smtClean="0"/>
-              <a:t>10/01/2019</a:t>
+              <a:t>01/10/2019</a:t>
             </a:fld>
             <a:endParaRPr lang="en-IL"/>
           </a:p>
@@ -1107,7 +1109,7 @@
           <a:p>
             <a:fld id="{3465D5F7-101B-4652-9E5E-3B4CEFD41744}" type="datetimeFigureOut">
               <a:rPr lang="en-IL" smtClean="0"/>
-              <a:t>10/01/2019</a:t>
+              <a:t>01/10/2019</a:t>
             </a:fld>
             <a:endParaRPr lang="en-IL"/>
           </a:p>
@@ -1421,7 +1423,7 @@
           <a:p>
             <a:fld id="{3465D5F7-101B-4652-9E5E-3B4CEFD41744}" type="datetimeFigureOut">
               <a:rPr lang="en-IL" smtClean="0"/>
-              <a:t>10/01/2019</a:t>
+              <a:t>01/10/2019</a:t>
             </a:fld>
             <a:endParaRPr lang="en-IL"/>
           </a:p>
@@ -1762,7 +1764,7 @@
           <a:p>
             <a:fld id="{3465D5F7-101B-4652-9E5E-3B4CEFD41744}" type="datetimeFigureOut">
               <a:rPr lang="en-IL" smtClean="0"/>
-              <a:t>10/01/2019</a:t>
+              <a:t>01/10/2019</a:t>
             </a:fld>
             <a:endParaRPr lang="en-IL"/>
           </a:p>
@@ -2076,7 +2078,7 @@
           <a:p>
             <a:fld id="{3465D5F7-101B-4652-9E5E-3B4CEFD41744}" type="datetimeFigureOut">
               <a:rPr lang="en-IL" smtClean="0"/>
-              <a:t>10/01/2019</a:t>
+              <a:t>01/10/2019</a:t>
             </a:fld>
             <a:endParaRPr lang="en-IL"/>
           </a:p>
@@ -2469,7 +2471,7 @@
           <a:p>
             <a:fld id="{3465D5F7-101B-4652-9E5E-3B4CEFD41744}" type="datetimeFigureOut">
               <a:rPr lang="en-IL" smtClean="0"/>
-              <a:t>10/01/2019</a:t>
+              <a:t>01/10/2019</a:t>
             </a:fld>
             <a:endParaRPr lang="en-IL"/>
           </a:p>
@@ -2639,7 +2641,7 @@
           <a:p>
             <a:fld id="{3465D5F7-101B-4652-9E5E-3B4CEFD41744}" type="datetimeFigureOut">
               <a:rPr lang="en-IL" smtClean="0"/>
-              <a:t>10/01/2019</a:t>
+              <a:t>01/10/2019</a:t>
             </a:fld>
             <a:endParaRPr lang="en-IL"/>
           </a:p>
@@ -2819,7 +2821,7 @@
           <a:p>
             <a:fld id="{3465D5F7-101B-4652-9E5E-3B4CEFD41744}" type="datetimeFigureOut">
               <a:rPr lang="en-IL" smtClean="0"/>
-              <a:t>10/01/2019</a:t>
+              <a:t>01/10/2019</a:t>
             </a:fld>
             <a:endParaRPr lang="en-IL"/>
           </a:p>
@@ -2995,7 +2997,7 @@
           <a:p>
             <a:fld id="{3465D5F7-101B-4652-9E5E-3B4CEFD41744}" type="datetimeFigureOut">
               <a:rPr lang="en-IL" smtClean="0"/>
-              <a:t>10/01/2019</a:t>
+              <a:t>01/10/2019</a:t>
             </a:fld>
             <a:endParaRPr lang="en-IL"/>
           </a:p>
@@ -3242,7 +3244,7 @@
           <a:p>
             <a:fld id="{3465D5F7-101B-4652-9E5E-3B4CEFD41744}" type="datetimeFigureOut">
               <a:rPr lang="en-IL" smtClean="0"/>
-              <a:t>10/01/2019</a:t>
+              <a:t>01/10/2019</a:t>
             </a:fld>
             <a:endParaRPr lang="en-IL"/>
           </a:p>
@@ -3474,7 +3476,7 @@
           <a:p>
             <a:fld id="{3465D5F7-101B-4652-9E5E-3B4CEFD41744}" type="datetimeFigureOut">
               <a:rPr lang="en-IL" smtClean="0"/>
-              <a:t>10/01/2019</a:t>
+              <a:t>01/10/2019</a:t>
             </a:fld>
             <a:endParaRPr lang="en-IL"/>
           </a:p>
@@ -3848,7 +3850,7 @@
           <a:p>
             <a:fld id="{3465D5F7-101B-4652-9E5E-3B4CEFD41744}" type="datetimeFigureOut">
               <a:rPr lang="en-IL" smtClean="0"/>
-              <a:t>10/01/2019</a:t>
+              <a:t>01/10/2019</a:t>
             </a:fld>
             <a:endParaRPr lang="en-IL"/>
           </a:p>
@@ -3971,7 +3973,7 @@
           <a:p>
             <a:fld id="{3465D5F7-101B-4652-9E5E-3B4CEFD41744}" type="datetimeFigureOut">
               <a:rPr lang="en-IL" smtClean="0"/>
-              <a:t>10/01/2019</a:t>
+              <a:t>01/10/2019</a:t>
             </a:fld>
             <a:endParaRPr lang="en-IL"/>
           </a:p>
@@ -4066,7 +4068,7 @@
           <a:p>
             <a:fld id="{3465D5F7-101B-4652-9E5E-3B4CEFD41744}" type="datetimeFigureOut">
               <a:rPr lang="en-IL" smtClean="0"/>
-              <a:t>10/01/2019</a:t>
+              <a:t>01/10/2019</a:t>
             </a:fld>
             <a:endParaRPr lang="en-IL"/>
           </a:p>
@@ -4321,7 +4323,7 @@
           <a:p>
             <a:fld id="{3465D5F7-101B-4652-9E5E-3B4CEFD41744}" type="datetimeFigureOut">
               <a:rPr lang="en-IL" smtClean="0"/>
-              <a:t>10/01/2019</a:t>
+              <a:t>01/10/2019</a:t>
             </a:fld>
             <a:endParaRPr lang="en-IL"/>
           </a:p>
@@ -4584,7 +4586,7 @@
           <a:p>
             <a:fld id="{3465D5F7-101B-4652-9E5E-3B4CEFD41744}" type="datetimeFigureOut">
               <a:rPr lang="en-IL" smtClean="0"/>
-              <a:t>10/01/2019</a:t>
+              <a:t>01/10/2019</a:t>
             </a:fld>
             <a:endParaRPr lang="en-IL"/>
           </a:p>
@@ -5327,7 +5329,7 @@
           <a:p>
             <a:fld id="{3465D5F7-101B-4652-9E5E-3B4CEFD41744}" type="datetimeFigureOut">
               <a:rPr lang="en-IL" smtClean="0"/>
-              <a:t>10/01/2019</a:t>
+              <a:t>01/10/2019</a:t>
             </a:fld>
             <a:endParaRPr lang="en-IL"/>
           </a:p>
@@ -5881,7 +5883,7 @@
           <a:p>
             <a:pPr algn="ctr"/>
             <a:r>
-              <a:rPr lang="en-US" sz="5400" dirty="0" err="1">
+              <a:rPr lang="en-US" sz="5400" dirty="0">
                 <a:ln w="0"/>
                 <a:effectLst>
                   <a:outerShdw blurRad="38100" dist="19050" dir="2700000" algn="tl" rotWithShape="0">
@@ -6534,10 +6536,10 @@
       </p:sp>
       <p:pic>
         <p:nvPicPr>
-          <p:cNvPr id="8" name="Picture 7">
+          <p:cNvPr id="3" name="Picture 2">
             <a:extLst>
               <a:ext uri="{FF2B5EF4-FFF2-40B4-BE49-F238E27FC236}">
-                <a16:creationId xmlns:a16="http://schemas.microsoft.com/office/drawing/2014/main" id="{C9439110-ACF7-48A9-9297-CAB8C5ABB2D3}"/>
+                <a16:creationId xmlns:a16="http://schemas.microsoft.com/office/drawing/2014/main" id="{CDA9708E-96F6-473B-AD8F-819B8AC747B3}"/>
               </a:ext>
             </a:extLst>
           </p:cNvPr>
@@ -6554,8 +6556,8 @@
         </p:blipFill>
         <p:spPr>
           <a:xfrm>
-            <a:off x="677334" y="609600"/>
-            <a:ext cx="3619500" cy="5819775"/>
+            <a:off x="677334" y="347540"/>
+            <a:ext cx="3005799" cy="6162919"/>
           </a:xfrm>
           <a:prstGeom prst="rect">
             <a:avLst/>
@@ -6624,10 +6626,10 @@
       </p:sp>
       <p:pic>
         <p:nvPicPr>
-          <p:cNvPr id="3" name="Picture 2">
+          <p:cNvPr id="4" name="Picture 3">
             <a:extLst>
               <a:ext uri="{FF2B5EF4-FFF2-40B4-BE49-F238E27FC236}">
-                <a16:creationId xmlns:a16="http://schemas.microsoft.com/office/drawing/2014/main" id="{B2030817-A538-4EF2-9B93-0BB4CA114B87}"/>
+                <a16:creationId xmlns:a16="http://schemas.microsoft.com/office/drawing/2014/main" id="{6A957F4E-121B-4956-AC3B-94AA9024E7A1}"/>
               </a:ext>
             </a:extLst>
           </p:cNvPr>
@@ -6644,8 +6646,8 @@
         </p:blipFill>
         <p:spPr>
           <a:xfrm>
-            <a:off x="677334" y="609600"/>
-            <a:ext cx="3619500" cy="5819775"/>
+            <a:off x="677334" y="358671"/>
+            <a:ext cx="2981432" cy="6140657"/>
           </a:xfrm>
           <a:prstGeom prst="rect">
             <a:avLst/>
@@ -6719,10 +6721,10 @@
       </p:sp>
       <p:pic>
         <p:nvPicPr>
-          <p:cNvPr id="4" name="Picture 3">
+          <p:cNvPr id="3" name="Picture 2">
             <a:extLst>
               <a:ext uri="{FF2B5EF4-FFF2-40B4-BE49-F238E27FC236}">
-                <a16:creationId xmlns:a16="http://schemas.microsoft.com/office/drawing/2014/main" id="{3F5DF176-44AE-488E-A41B-DC65ADC2C572}"/>
+                <a16:creationId xmlns:a16="http://schemas.microsoft.com/office/drawing/2014/main" id="{598CD70D-B612-455F-BE60-2CF1464F0529}"/>
               </a:ext>
             </a:extLst>
           </p:cNvPr>
@@ -6739,8 +6741,8 @@
         </p:blipFill>
         <p:spPr>
           <a:xfrm>
-            <a:off x="677334" y="609600"/>
-            <a:ext cx="3619500" cy="5819775"/>
+            <a:off x="496360" y="271462"/>
+            <a:ext cx="3076756" cy="6315075"/>
           </a:xfrm>
           <a:prstGeom prst="rect">
             <a:avLst/>
@@ -6801,7 +6803,7 @@
             <a:pPr algn="r"/>
             <a:r>
               <a:rPr lang="en-US" dirty="0"/>
-              <a:t>Hackathon Page</a:t>
+              <a:t>Manager Hackathon Page</a:t>
             </a:r>
             <a:endParaRPr lang="en-IL" dirty="0"/>
           </a:p>
@@ -6809,10 +6811,10 @@
       </p:sp>
       <p:pic>
         <p:nvPicPr>
-          <p:cNvPr id="4" name="Picture 3">
+          <p:cNvPr id="3" name="Picture 2">
             <a:extLst>
               <a:ext uri="{FF2B5EF4-FFF2-40B4-BE49-F238E27FC236}">
-                <a16:creationId xmlns:a16="http://schemas.microsoft.com/office/drawing/2014/main" id="{BD435F08-82D4-49B9-AD83-BA57AF4BB5B5}"/>
+                <a16:creationId xmlns:a16="http://schemas.microsoft.com/office/drawing/2014/main" id="{647083DF-E59E-4800-9973-B37F325DE732}"/>
               </a:ext>
             </a:extLst>
           </p:cNvPr>
@@ -6829,8 +6831,8 @@
         </p:blipFill>
         <p:spPr>
           <a:xfrm>
-            <a:off x="677334" y="609600"/>
-            <a:ext cx="3619500" cy="5819775"/>
+            <a:off x="554489" y="204787"/>
+            <a:ext cx="3148729" cy="6448425"/>
           </a:xfrm>
           <a:prstGeom prst="rect">
             <a:avLst/>
@@ -6966,6 +6968,193 @@
       </p:grpSpPr>
       <p:sp>
         <p:nvSpPr>
+          <p:cNvPr id="2" name="Title 1">
+            <a:extLst>
+              <a:ext uri="{FF2B5EF4-FFF2-40B4-BE49-F238E27FC236}">
+                <a16:creationId xmlns:a16="http://schemas.microsoft.com/office/drawing/2014/main" id="{2389F58E-4CF2-4252-8EA2-2ED8154036E8}"/>
+              </a:ext>
+            </a:extLst>
+          </p:cNvPr>
+          <p:cNvSpPr>
+            <a:spLocks noGrp="1"/>
+          </p:cNvSpPr>
+          <p:nvPr>
+            <p:ph type="title"/>
+          </p:nvPr>
+        </p:nvSpPr>
+        <p:spPr/>
+        <p:txBody>
+          <a:bodyPr/>
+          <a:lstStyle/>
+          <a:p>
+            <a:pPr algn="r"/>
+            <a:r>
+              <a:rPr lang="en-US" dirty="0"/>
+              <a:t>Participating </a:t>
+            </a:r>
+            <a:br>
+              <a:rPr lang="en-US" dirty="0"/>
+            </a:br>
+            <a:r>
+              <a:rPr lang="en-US" dirty="0"/>
+              <a:t>Hackathon Page</a:t>
+            </a:r>
+            <a:endParaRPr lang="en-IL" dirty="0"/>
+          </a:p>
+        </p:txBody>
+      </p:sp>
+      <p:pic>
+        <p:nvPicPr>
+          <p:cNvPr id="4" name="Picture 3">
+            <a:extLst>
+              <a:ext uri="{FF2B5EF4-FFF2-40B4-BE49-F238E27FC236}">
+                <a16:creationId xmlns:a16="http://schemas.microsoft.com/office/drawing/2014/main" id="{BD663B2A-4D3C-4548-8691-AF9C8A8BFC15}"/>
+              </a:ext>
+            </a:extLst>
+          </p:cNvPr>
+          <p:cNvPicPr>
+            <a:picLocks noChangeAspect="1"/>
+          </p:cNvPicPr>
+          <p:nvPr/>
+        </p:nvPicPr>
+        <p:blipFill>
+          <a:blip r:embed="rId2"/>
+          <a:stretch>
+            <a:fillRect/>
+          </a:stretch>
+        </p:blipFill>
+        <p:spPr>
+          <a:xfrm>
+            <a:off x="677334" y="204787"/>
+            <a:ext cx="3134751" cy="6448425"/>
+          </a:xfrm>
+          <a:prstGeom prst="rect">
+            <a:avLst/>
+          </a:prstGeom>
+        </p:spPr>
+      </p:pic>
+    </p:spTree>
+    <p:extLst>
+      <p:ext uri="{BB962C8B-B14F-4D97-AF65-F5344CB8AC3E}">
+        <p14:creationId xmlns:p14="http://schemas.microsoft.com/office/powerpoint/2010/main" val="1728005598"/>
+      </p:ext>
+    </p:extLst>
+  </p:cSld>
+  <p:clrMapOvr>
+    <a:masterClrMapping/>
+  </p:clrMapOvr>
+</p:sld>
+</file>
+
+<file path=ppt/slides/slide21.xml><?xml version="1.0" encoding="utf-8"?>
+<p:sld xmlns:a="http://schemas.openxmlformats.org/drawingml/2006/main" xmlns:r="http://schemas.openxmlformats.org/officeDocument/2006/relationships" xmlns:p="http://schemas.openxmlformats.org/presentationml/2006/main">
+  <p:cSld>
+    <p:spTree>
+      <p:nvGrpSpPr>
+        <p:cNvPr id="1" name=""/>
+        <p:cNvGrpSpPr/>
+        <p:nvPr/>
+      </p:nvGrpSpPr>
+      <p:grpSpPr>
+        <a:xfrm>
+          <a:off x="0" y="0"/>
+          <a:ext cx="0" cy="0"/>
+          <a:chOff x="0" y="0"/>
+          <a:chExt cx="0" cy="0"/>
+        </a:xfrm>
+      </p:grpSpPr>
+      <p:sp>
+        <p:nvSpPr>
+          <p:cNvPr id="2" name="Title 1">
+            <a:extLst>
+              <a:ext uri="{FF2B5EF4-FFF2-40B4-BE49-F238E27FC236}">
+                <a16:creationId xmlns:a16="http://schemas.microsoft.com/office/drawing/2014/main" id="{2389F58E-4CF2-4252-8EA2-2ED8154036E8}"/>
+              </a:ext>
+            </a:extLst>
+          </p:cNvPr>
+          <p:cNvSpPr>
+            <a:spLocks noGrp="1"/>
+          </p:cNvSpPr>
+          <p:nvPr>
+            <p:ph type="title"/>
+          </p:nvPr>
+        </p:nvSpPr>
+        <p:spPr/>
+        <p:txBody>
+          <a:bodyPr/>
+          <a:lstStyle/>
+          <a:p>
+            <a:pPr algn="r"/>
+            <a:r>
+              <a:rPr lang="en-US" dirty="0"/>
+              <a:t>Unsigned Hackathon Page</a:t>
+            </a:r>
+            <a:endParaRPr lang="en-IL" dirty="0"/>
+          </a:p>
+        </p:txBody>
+      </p:sp>
+      <p:pic>
+        <p:nvPicPr>
+          <p:cNvPr id="4" name="Picture 3">
+            <a:extLst>
+              <a:ext uri="{FF2B5EF4-FFF2-40B4-BE49-F238E27FC236}">
+                <a16:creationId xmlns:a16="http://schemas.microsoft.com/office/drawing/2014/main" id="{E7ACEDE1-7F44-469F-B67A-E2ED89EB04E6}"/>
+              </a:ext>
+            </a:extLst>
+          </p:cNvPr>
+          <p:cNvPicPr>
+            <a:picLocks noChangeAspect="1"/>
+          </p:cNvPicPr>
+          <p:nvPr/>
+        </p:nvPicPr>
+        <p:blipFill>
+          <a:blip r:embed="rId2"/>
+          <a:stretch>
+            <a:fillRect/>
+          </a:stretch>
+        </p:blipFill>
+        <p:spPr>
+          <a:xfrm>
+            <a:off x="515917" y="204787"/>
+            <a:ext cx="3127379" cy="6448425"/>
+          </a:xfrm>
+          <a:prstGeom prst="rect">
+            <a:avLst/>
+          </a:prstGeom>
+        </p:spPr>
+      </p:pic>
+    </p:spTree>
+    <p:extLst>
+      <p:ext uri="{BB962C8B-B14F-4D97-AF65-F5344CB8AC3E}">
+        <p14:creationId xmlns:p14="http://schemas.microsoft.com/office/powerpoint/2010/main" val="3496641487"/>
+      </p:ext>
+    </p:extLst>
+  </p:cSld>
+  <p:clrMapOvr>
+    <a:masterClrMapping/>
+  </p:clrMapOvr>
+</p:sld>
+</file>
+
+<file path=ppt/slides/slide22.xml><?xml version="1.0" encoding="utf-8"?>
+<p:sld xmlns:a="http://schemas.openxmlformats.org/drawingml/2006/main" xmlns:r="http://schemas.openxmlformats.org/officeDocument/2006/relationships" xmlns:p="http://schemas.openxmlformats.org/presentationml/2006/main">
+  <p:cSld>
+    <p:spTree>
+      <p:nvGrpSpPr>
+        <p:cNvPr id="1" name=""/>
+        <p:cNvGrpSpPr/>
+        <p:nvPr/>
+      </p:nvGrpSpPr>
+      <p:grpSpPr>
+        <a:xfrm>
+          <a:off x="0" y="0"/>
+          <a:ext cx="0" cy="0"/>
+          <a:chOff x="0" y="0"/>
+          <a:chExt cx="0" cy="0"/>
+        </a:xfrm>
+      </p:grpSpPr>
+      <p:sp>
+        <p:nvSpPr>
           <p:cNvPr id="4" name="Rectangle 3">
             <a:extLst>
               <a:ext uri="{FF2B5EF4-FFF2-40B4-BE49-F238E27FC236}">
@@ -6979,7 +7168,7 @@
         <p:spPr>
           <a:xfrm>
             <a:off x="2701329" y="1897803"/>
-            <a:ext cx="6789343" cy="923330"/>
+            <a:ext cx="6789343" cy="1754326"/>
           </a:xfrm>
           <a:prstGeom prst="rect">
             <a:avLst/>
@@ -7022,6 +7211,35 @@
               </a:rPr>
               <a:t>מהמסד נתונים</a:t>
             </a:r>
+            <a:endParaRPr lang="en-US" sz="5400" dirty="0">
+              <a:ln w="0"/>
+              <a:effectLst>
+                <a:outerShdw blurRad="38100" dist="19050" dir="2700000" algn="tl" rotWithShape="0">
+                  <a:schemeClr val="dk1">
+                    <a:alpha val="40000"/>
+                  </a:schemeClr>
+                </a:outerShdw>
+              </a:effectLst>
+            </a:endParaRPr>
+          </a:p>
+          <a:p>
+            <a:pPr algn="ctr"/>
+            <a:r>
+              <a:rPr lang="en-US" sz="5400" b="0" cap="none" spc="0" dirty="0">
+                <a:ln w="0"/>
+                <a:solidFill>
+                  <a:schemeClr val="tx1"/>
+                </a:solidFill>
+                <a:effectLst>
+                  <a:outerShdw blurRad="38100" dist="19050" dir="2700000" algn="tl" rotWithShape="0">
+                    <a:schemeClr val="dk1">
+                      <a:alpha val="40000"/>
+                    </a:schemeClr>
+                  </a:outerShdw>
+                </a:effectLst>
+              </a:rPr>
+              <a:t>FireBase</a:t>
+            </a:r>
             <a:endParaRPr lang="en-US" sz="3200" b="0" cap="none" spc="0" dirty="0">
               <a:ln w="0"/>
               <a:solidFill>
@@ -7038,6 +7256,42 @@
           </a:p>
         </p:txBody>
       </p:sp>
+      <p:pic>
+        <p:nvPicPr>
+          <p:cNvPr id="3" name="Picture 2">
+            <a:extLst>
+              <a:ext uri="{FF2B5EF4-FFF2-40B4-BE49-F238E27FC236}">
+                <a16:creationId xmlns:a16="http://schemas.microsoft.com/office/drawing/2014/main" id="{E5E370D4-366B-4359-9348-1F6AD914767E}"/>
+              </a:ext>
+            </a:extLst>
+          </p:cNvPr>
+          <p:cNvPicPr>
+            <a:picLocks noChangeAspect="1"/>
+          </p:cNvPicPr>
+          <p:nvPr/>
+        </p:nvPicPr>
+        <p:blipFill>
+          <a:blip r:embed="rId2">
+            <a:extLst>
+              <a:ext uri="{28A0092B-C50C-407E-A947-70E740481C1C}">
+                <a14:useLocalDpi xmlns:a14="http://schemas.microsoft.com/office/drawing/2010/main" val="0"/>
+              </a:ext>
+            </a:extLst>
+          </a:blip>
+          <a:stretch>
+            <a:fillRect/>
+          </a:stretch>
+        </p:blipFill>
+        <p:spPr>
+          <a:xfrm>
+            <a:off x="566615" y="3652129"/>
+            <a:ext cx="3091026" cy="3006725"/>
+          </a:xfrm>
+          <a:prstGeom prst="rect">
+            <a:avLst/>
+          </a:prstGeom>
+        </p:spPr>
+      </p:pic>
     </p:spTree>
     <p:extLst>
       <p:ext uri="{BB962C8B-B14F-4D97-AF65-F5344CB8AC3E}">
@@ -7051,7 +7305,7 @@
 </p:sld>
 </file>
 
-<file path=ppt/slides/slide21.xml><?xml version="1.0" encoding="utf-8"?>
+<file path=ppt/slides/slide23.xml><?xml version="1.0" encoding="utf-8"?>
 <p:sld xmlns:a="http://schemas.openxmlformats.org/drawingml/2006/main" xmlns:r="http://schemas.openxmlformats.org/officeDocument/2006/relationships" xmlns:p="http://schemas.openxmlformats.org/presentationml/2006/main">
   <p:cSld>
     <p:spTree>
@@ -7141,7 +7395,7 @@
 </p:sld>
 </file>
 
-<file path=ppt/slides/slide22.xml><?xml version="1.0" encoding="utf-8"?>
+<file path=ppt/slides/slide24.xml><?xml version="1.0" encoding="utf-8"?>
 <p:sld xmlns:a="http://schemas.openxmlformats.org/drawingml/2006/main" xmlns:r="http://schemas.openxmlformats.org/officeDocument/2006/relationships" xmlns:p="http://schemas.openxmlformats.org/presentationml/2006/main">
   <p:cSld>
     <p:spTree>
@@ -7231,7 +7485,7 @@
 </p:sld>
 </file>
 
-<file path=ppt/slides/slide23.xml><?xml version="1.0" encoding="utf-8"?>
+<file path=ppt/slides/slide25.xml><?xml version="1.0" encoding="utf-8"?>
 <p:sld xmlns:a="http://schemas.openxmlformats.org/drawingml/2006/main" xmlns:r="http://schemas.openxmlformats.org/officeDocument/2006/relationships" xmlns:p="http://schemas.openxmlformats.org/presentationml/2006/main">
   <p:cSld>
     <p:spTree>
@@ -7398,7 +7652,7 @@
               <a:buNone/>
             </a:pPr>
             <a:r>
-              <a:rPr lang="en-US" dirty="0" err="1"/>
+              <a:rPr lang="en-US" dirty="0"/>
               <a:t>Appckathon</a:t>
             </a:r>
             <a:r>
@@ -7562,7 +7816,7 @@
             </a:pPr>
             <a:r>
               <a:rPr lang="he-IL" dirty="0"/>
-              <a:t>אפשרות לתהחבר ולהירשם לאפליקציה.</a:t>
+              <a:t>אפשרות להתחבר ולהירשם לאפליקציה.</a:t>
             </a:r>
           </a:p>
           <a:p>
@@ -7572,15 +7826,7 @@
             </a:pPr>
             <a:r>
               <a:rPr lang="he-IL" dirty="0"/>
-              <a:t>דף פרופיל משתמש (לא כולל היסטוריית האקתונים והתממשקות עם </a:t>
-            </a:r>
-            <a:r>
-              <a:rPr lang="en-US" dirty="0" err="1"/>
-              <a:t>Github</a:t>
-            </a:r>
-            <a:r>
-              <a:rPr lang="he-IL" dirty="0"/>
-              <a:t>).</a:t>
+              <a:t>דף פרופיל משתמש.</a:t>
             </a:r>
           </a:p>
           <a:p>
@@ -7600,7 +7846,15 @@
             </a:pPr>
             <a:r>
               <a:rPr lang="he-IL" dirty="0"/>
-              <a:t>אפשרות להירשם להאקתון (לא קיימת אימפלמנטציה ללוח זמנים).</a:t>
+              <a:t>אפשרות להירשם </a:t>
+            </a:r>
+            <a:r>
+              <a:rPr lang="he-IL" dirty="0" err="1"/>
+              <a:t>להאקתון</a:t>
+            </a:r>
+            <a:r>
+              <a:rPr lang="he-IL" dirty="0"/>
+              <a:t> קיים.</a:t>
             </a:r>
           </a:p>
           <a:p>
@@ -7740,7 +7994,7 @@
               <a:t>לפתח קהילה של יוצרי ומשתתפי האקתונים ובכך להגיע למעמד כך שהביצועים באפליקציה יהיו מוכרים בציבור (הוספת קישור לפרופיל ב-</a:t>
             </a:r>
             <a:r>
-              <a:rPr lang="en-US" dirty="0" err="1"/>
+              <a:rPr lang="en-US" dirty="0"/>
               <a:t>Appckathon</a:t>
             </a:r>
             <a:r>
